--- a/report/Park.pptx
+++ b/report/Park.pptx
@@ -4,6 +4,9 @@
   <p:sldMasterIdLst>
     <p:sldMasterId id="2147483648" r:id="rId1"/>
   </p:sldMasterIdLst>
+  <p:notesMasterIdLst>
+    <p:notesMasterId r:id="rId13"/>
+  </p:notesMasterIdLst>
   <p:sldIdLst>
     <p:sldId id="256" r:id="rId2"/>
     <p:sldId id="261" r:id="rId3"/>
@@ -120,6 +123,1811 @@
     </p:ext>
   </p:extLst>
 </p:presentation>
+</file>
+
+<file path=ppt/notesMasters/notesMaster1.xml><?xml version="1.0" encoding="utf-8"?>
+<p:notesMaster xmlns:a="http://schemas.openxmlformats.org/drawingml/2006/main" xmlns:r="http://schemas.openxmlformats.org/officeDocument/2006/relationships" xmlns:p="http://schemas.openxmlformats.org/presentationml/2006/main">
+  <p:cSld>
+    <p:bg>
+      <p:bgRef idx="1001">
+        <a:schemeClr val="bg1"/>
+      </p:bgRef>
+    </p:bg>
+    <p:spTree>
+      <p:nvGrpSpPr>
+        <p:cNvPr id="1" name=""/>
+        <p:cNvGrpSpPr/>
+        <p:nvPr/>
+      </p:nvGrpSpPr>
+      <p:grpSpPr>
+        <a:xfrm>
+          <a:off x="0" y="0"/>
+          <a:ext cx="0" cy="0"/>
+          <a:chOff x="0" y="0"/>
+          <a:chExt cx="0" cy="0"/>
+        </a:xfrm>
+      </p:grpSpPr>
+      <p:sp>
+        <p:nvSpPr>
+          <p:cNvPr id="2" name="Header Placeholder 1"/>
+          <p:cNvSpPr>
+            <a:spLocks noGrp="1"/>
+          </p:cNvSpPr>
+          <p:nvPr>
+            <p:ph type="hdr" sz="quarter"/>
+          </p:nvPr>
+        </p:nvSpPr>
+        <p:spPr>
+          <a:xfrm>
+            <a:off x="0" y="0"/>
+            <a:ext cx="2971800" cy="458788"/>
+          </a:xfrm>
+          <a:prstGeom prst="rect">
+            <a:avLst/>
+          </a:prstGeom>
+        </p:spPr>
+        <p:txBody>
+          <a:bodyPr vert="horz" lIns="91440" tIns="45720" rIns="91440" bIns="45720" rtlCol="0"/>
+          <a:lstStyle>
+            <a:lvl1pPr algn="l">
+              <a:defRPr sz="1200"/>
+            </a:lvl1pPr>
+          </a:lstStyle>
+          <a:p>
+            <a:endParaRPr lang="en-US"/>
+          </a:p>
+        </p:txBody>
+      </p:sp>
+      <p:sp>
+        <p:nvSpPr>
+          <p:cNvPr id="3" name="Date Placeholder 2"/>
+          <p:cNvSpPr>
+            <a:spLocks noGrp="1"/>
+          </p:cNvSpPr>
+          <p:nvPr>
+            <p:ph type="dt" idx="1"/>
+          </p:nvPr>
+        </p:nvSpPr>
+        <p:spPr>
+          <a:xfrm>
+            <a:off x="3884613" y="0"/>
+            <a:ext cx="2971800" cy="458788"/>
+          </a:xfrm>
+          <a:prstGeom prst="rect">
+            <a:avLst/>
+          </a:prstGeom>
+        </p:spPr>
+        <p:txBody>
+          <a:bodyPr vert="horz" lIns="91440" tIns="45720" rIns="91440" bIns="45720" rtlCol="0"/>
+          <a:lstStyle>
+            <a:lvl1pPr algn="r">
+              <a:defRPr sz="1200"/>
+            </a:lvl1pPr>
+          </a:lstStyle>
+          <a:p>
+            <a:fld id="{CEDA7635-AB1E-C44E-A74F-7DDC654DBA5C}" type="datetimeFigureOut">
+              <a:rPr lang="en-US" smtClean="0"/>
+              <a:t>5/5/20</a:t>
+            </a:fld>
+            <a:endParaRPr lang="en-US"/>
+          </a:p>
+        </p:txBody>
+      </p:sp>
+      <p:sp>
+        <p:nvSpPr>
+          <p:cNvPr id="4" name="Slide Image Placeholder 3"/>
+          <p:cNvSpPr>
+            <a:spLocks noGrp="1" noRot="1" noChangeAspect="1"/>
+          </p:cNvSpPr>
+          <p:nvPr>
+            <p:ph type="sldImg" idx="2"/>
+          </p:nvPr>
+        </p:nvSpPr>
+        <p:spPr>
+          <a:xfrm>
+            <a:off x="685800" y="1143000"/>
+            <a:ext cx="5486400" cy="3086100"/>
+          </a:xfrm>
+          <a:prstGeom prst="rect">
+            <a:avLst/>
+          </a:prstGeom>
+          <a:noFill/>
+          <a:ln w="12700">
+            <a:solidFill>
+              <a:prstClr val="black"/>
+            </a:solidFill>
+          </a:ln>
+        </p:spPr>
+        <p:txBody>
+          <a:bodyPr vert="horz" lIns="91440" tIns="45720" rIns="91440" bIns="45720" rtlCol="0" anchor="ctr"/>
+          <a:lstStyle/>
+          <a:p>
+            <a:endParaRPr lang="en-US"/>
+          </a:p>
+        </p:txBody>
+      </p:sp>
+      <p:sp>
+        <p:nvSpPr>
+          <p:cNvPr id="5" name="Notes Placeholder 4"/>
+          <p:cNvSpPr>
+            <a:spLocks noGrp="1"/>
+          </p:cNvSpPr>
+          <p:nvPr>
+            <p:ph type="body" sz="quarter" idx="3"/>
+          </p:nvPr>
+        </p:nvSpPr>
+        <p:spPr>
+          <a:xfrm>
+            <a:off x="685800" y="4400550"/>
+            <a:ext cx="5486400" cy="3600450"/>
+          </a:xfrm>
+          <a:prstGeom prst="rect">
+            <a:avLst/>
+          </a:prstGeom>
+        </p:spPr>
+        <p:txBody>
+          <a:bodyPr vert="horz" lIns="91440" tIns="45720" rIns="91440" bIns="45720" rtlCol="0"/>
+          <a:lstStyle/>
+          <a:p>
+            <a:pPr lvl="0"/>
+            <a:r>
+              <a:rPr lang="en-US"/>
+              <a:t>Click to edit Master text styles</a:t>
+            </a:r>
+          </a:p>
+          <a:p>
+            <a:pPr lvl="1"/>
+            <a:r>
+              <a:rPr lang="en-US"/>
+              <a:t>Second level</a:t>
+            </a:r>
+          </a:p>
+          <a:p>
+            <a:pPr lvl="2"/>
+            <a:r>
+              <a:rPr lang="en-US"/>
+              <a:t>Third level</a:t>
+            </a:r>
+          </a:p>
+          <a:p>
+            <a:pPr lvl="3"/>
+            <a:r>
+              <a:rPr lang="en-US"/>
+              <a:t>Fourth level</a:t>
+            </a:r>
+          </a:p>
+          <a:p>
+            <a:pPr lvl="4"/>
+            <a:r>
+              <a:rPr lang="en-US"/>
+              <a:t>Fifth level</a:t>
+            </a:r>
+          </a:p>
+        </p:txBody>
+      </p:sp>
+      <p:sp>
+        <p:nvSpPr>
+          <p:cNvPr id="6" name="Footer Placeholder 5"/>
+          <p:cNvSpPr>
+            <a:spLocks noGrp="1"/>
+          </p:cNvSpPr>
+          <p:nvPr>
+            <p:ph type="ftr" sz="quarter" idx="4"/>
+          </p:nvPr>
+        </p:nvSpPr>
+        <p:spPr>
+          <a:xfrm>
+            <a:off x="0" y="8685213"/>
+            <a:ext cx="2971800" cy="458787"/>
+          </a:xfrm>
+          <a:prstGeom prst="rect">
+            <a:avLst/>
+          </a:prstGeom>
+        </p:spPr>
+        <p:txBody>
+          <a:bodyPr vert="horz" lIns="91440" tIns="45720" rIns="91440" bIns="45720" rtlCol="0" anchor="b"/>
+          <a:lstStyle>
+            <a:lvl1pPr algn="l">
+              <a:defRPr sz="1200"/>
+            </a:lvl1pPr>
+          </a:lstStyle>
+          <a:p>
+            <a:endParaRPr lang="en-US"/>
+          </a:p>
+        </p:txBody>
+      </p:sp>
+      <p:sp>
+        <p:nvSpPr>
+          <p:cNvPr id="7" name="Slide Number Placeholder 6"/>
+          <p:cNvSpPr>
+            <a:spLocks noGrp="1"/>
+          </p:cNvSpPr>
+          <p:nvPr>
+            <p:ph type="sldNum" sz="quarter" idx="5"/>
+          </p:nvPr>
+        </p:nvSpPr>
+        <p:spPr>
+          <a:xfrm>
+            <a:off x="3884613" y="8685213"/>
+            <a:ext cx="2971800" cy="458787"/>
+          </a:xfrm>
+          <a:prstGeom prst="rect">
+            <a:avLst/>
+          </a:prstGeom>
+        </p:spPr>
+        <p:txBody>
+          <a:bodyPr vert="horz" lIns="91440" tIns="45720" rIns="91440" bIns="45720" rtlCol="0" anchor="b"/>
+          <a:lstStyle>
+            <a:lvl1pPr algn="r">
+              <a:defRPr sz="1200"/>
+            </a:lvl1pPr>
+          </a:lstStyle>
+          <a:p>
+            <a:fld id="{1E99F2B5-2C25-8F42-812A-64952A72A267}" type="slidenum">
+              <a:rPr lang="en-US" smtClean="0"/>
+              <a:t>‹#›</a:t>
+            </a:fld>
+            <a:endParaRPr lang="en-US"/>
+          </a:p>
+        </p:txBody>
+      </p:sp>
+    </p:spTree>
+    <p:extLst>
+      <p:ext uri="{BB962C8B-B14F-4D97-AF65-F5344CB8AC3E}">
+        <p14:creationId xmlns:p14="http://schemas.microsoft.com/office/powerpoint/2010/main" val="3046846410"/>
+      </p:ext>
+    </p:extLst>
+  </p:cSld>
+  <p:clrMap bg1="lt1" tx1="dk1" bg2="lt2" tx2="dk2" accent1="accent1" accent2="accent2" accent3="accent3" accent4="accent4" accent5="accent5" accent6="accent6" hlink="hlink" folHlink="folHlink"/>
+  <p:notesStyle>
+    <a:lvl1pPr marL="0" algn="l" defTabSz="914400" rtl="0" eaLnBrk="1" latinLnBrk="0" hangingPunct="1">
+      <a:defRPr sz="1200" kern="1200">
+        <a:solidFill>
+          <a:schemeClr val="tx1"/>
+        </a:solidFill>
+        <a:latin typeface="+mn-lt"/>
+        <a:ea typeface="+mn-ea"/>
+        <a:cs typeface="+mn-cs"/>
+      </a:defRPr>
+    </a:lvl1pPr>
+    <a:lvl2pPr marL="457200" algn="l" defTabSz="914400" rtl="0" eaLnBrk="1" latinLnBrk="0" hangingPunct="1">
+      <a:defRPr sz="1200" kern="1200">
+        <a:solidFill>
+          <a:schemeClr val="tx1"/>
+        </a:solidFill>
+        <a:latin typeface="+mn-lt"/>
+        <a:ea typeface="+mn-ea"/>
+        <a:cs typeface="+mn-cs"/>
+      </a:defRPr>
+    </a:lvl2pPr>
+    <a:lvl3pPr marL="914400" algn="l" defTabSz="914400" rtl="0" eaLnBrk="1" latinLnBrk="0" hangingPunct="1">
+      <a:defRPr sz="1200" kern="1200">
+        <a:solidFill>
+          <a:schemeClr val="tx1"/>
+        </a:solidFill>
+        <a:latin typeface="+mn-lt"/>
+        <a:ea typeface="+mn-ea"/>
+        <a:cs typeface="+mn-cs"/>
+      </a:defRPr>
+    </a:lvl3pPr>
+    <a:lvl4pPr marL="1371600" algn="l" defTabSz="914400" rtl="0" eaLnBrk="1" latinLnBrk="0" hangingPunct="1">
+      <a:defRPr sz="1200" kern="1200">
+        <a:solidFill>
+          <a:schemeClr val="tx1"/>
+        </a:solidFill>
+        <a:latin typeface="+mn-lt"/>
+        <a:ea typeface="+mn-ea"/>
+        <a:cs typeface="+mn-cs"/>
+      </a:defRPr>
+    </a:lvl4pPr>
+    <a:lvl5pPr marL="1828800" algn="l" defTabSz="914400" rtl="0" eaLnBrk="1" latinLnBrk="0" hangingPunct="1">
+      <a:defRPr sz="1200" kern="1200">
+        <a:solidFill>
+          <a:schemeClr val="tx1"/>
+        </a:solidFill>
+        <a:latin typeface="+mn-lt"/>
+        <a:ea typeface="+mn-ea"/>
+        <a:cs typeface="+mn-cs"/>
+      </a:defRPr>
+    </a:lvl5pPr>
+    <a:lvl6pPr marL="2286000" algn="l" defTabSz="914400" rtl="0" eaLnBrk="1" latinLnBrk="0" hangingPunct="1">
+      <a:defRPr sz="1200" kern="1200">
+        <a:solidFill>
+          <a:schemeClr val="tx1"/>
+        </a:solidFill>
+        <a:latin typeface="+mn-lt"/>
+        <a:ea typeface="+mn-ea"/>
+        <a:cs typeface="+mn-cs"/>
+      </a:defRPr>
+    </a:lvl6pPr>
+    <a:lvl7pPr marL="2743200" algn="l" defTabSz="914400" rtl="0" eaLnBrk="1" latinLnBrk="0" hangingPunct="1">
+      <a:defRPr sz="1200" kern="1200">
+        <a:solidFill>
+          <a:schemeClr val="tx1"/>
+        </a:solidFill>
+        <a:latin typeface="+mn-lt"/>
+        <a:ea typeface="+mn-ea"/>
+        <a:cs typeface="+mn-cs"/>
+      </a:defRPr>
+    </a:lvl7pPr>
+    <a:lvl8pPr marL="3200400" algn="l" defTabSz="914400" rtl="0" eaLnBrk="1" latinLnBrk="0" hangingPunct="1">
+      <a:defRPr sz="1200" kern="1200">
+        <a:solidFill>
+          <a:schemeClr val="tx1"/>
+        </a:solidFill>
+        <a:latin typeface="+mn-lt"/>
+        <a:ea typeface="+mn-ea"/>
+        <a:cs typeface="+mn-cs"/>
+      </a:defRPr>
+    </a:lvl8pPr>
+    <a:lvl9pPr marL="3657600" algn="l" defTabSz="914400" rtl="0" eaLnBrk="1" latinLnBrk="0" hangingPunct="1">
+      <a:defRPr sz="1200" kern="1200">
+        <a:solidFill>
+          <a:schemeClr val="tx1"/>
+        </a:solidFill>
+        <a:latin typeface="+mn-lt"/>
+        <a:ea typeface="+mn-ea"/>
+        <a:cs typeface="+mn-cs"/>
+      </a:defRPr>
+    </a:lvl9pPr>
+  </p:notesStyle>
+</p:notesMaster>
+</file>
+
+<file path=ppt/notesSlides/notesSlide1.xml><?xml version="1.0" encoding="utf-8"?>
+<p:notes xmlns:a="http://schemas.openxmlformats.org/drawingml/2006/main" xmlns:r="http://schemas.openxmlformats.org/officeDocument/2006/relationships" xmlns:p="http://schemas.openxmlformats.org/presentationml/2006/main">
+  <p:cSld>
+    <p:spTree>
+      <p:nvGrpSpPr>
+        <p:cNvPr id="1" name=""/>
+        <p:cNvGrpSpPr/>
+        <p:nvPr/>
+      </p:nvGrpSpPr>
+      <p:grpSpPr>
+        <a:xfrm>
+          <a:off x="0" y="0"/>
+          <a:ext cx="0" cy="0"/>
+          <a:chOff x="0" y="0"/>
+          <a:chExt cx="0" cy="0"/>
+        </a:xfrm>
+      </p:grpSpPr>
+      <p:sp>
+        <p:nvSpPr>
+          <p:cNvPr id="2" name="Slide Image Placeholder 1"/>
+          <p:cNvSpPr>
+            <a:spLocks noGrp="1" noRot="1" noChangeAspect="1"/>
+          </p:cNvSpPr>
+          <p:nvPr>
+            <p:ph type="sldImg"/>
+          </p:nvPr>
+        </p:nvSpPr>
+        <p:spPr/>
+      </p:sp>
+      <p:sp>
+        <p:nvSpPr>
+          <p:cNvPr id="3" name="Notes Placeholder 2"/>
+          <p:cNvSpPr>
+            <a:spLocks noGrp="1"/>
+          </p:cNvSpPr>
+          <p:nvPr>
+            <p:ph type="body" idx="1"/>
+          </p:nvPr>
+        </p:nvSpPr>
+        <p:spPr/>
+        <p:txBody>
+          <a:bodyPr/>
+          <a:lstStyle/>
+          <a:p>
+            <a:r>
+              <a:rPr lang="en-US" dirty="0"/>
+              <a:t>I did my project based on the paper</a:t>
+            </a:r>
+            <a:r>
+              <a:rPr lang="ko-KR" altLang="en-US" dirty="0"/>
+              <a:t> </a:t>
+            </a:r>
+            <a:r>
+              <a:rPr lang="en-US" altLang="ko-KR" dirty="0"/>
+              <a:t>”L</a:t>
+            </a:r>
+            <a:r>
+              <a:rPr lang="en-US" dirty="0"/>
+              <a:t>earning for DC-OPF: Classifying active sets using neural nets”,  and my presentation contents are as follows. </a:t>
+            </a:r>
+          </a:p>
+          <a:p>
+            <a:endParaRPr lang="en-US" dirty="0"/>
+          </a:p>
+          <a:p>
+            <a:endParaRPr lang="en-US" dirty="0"/>
+          </a:p>
+          <a:p>
+            <a:r>
+              <a:rPr lang="en-US" dirty="0"/>
+              <a:t>(Also, I uploaded all the materials for my project to my git, so I think you can check it at any time.)</a:t>
+            </a:r>
+          </a:p>
+        </p:txBody>
+      </p:sp>
+      <p:sp>
+        <p:nvSpPr>
+          <p:cNvPr id="4" name="Slide Number Placeholder 3"/>
+          <p:cNvSpPr>
+            <a:spLocks noGrp="1"/>
+          </p:cNvSpPr>
+          <p:nvPr>
+            <p:ph type="sldNum" sz="quarter" idx="5"/>
+          </p:nvPr>
+        </p:nvSpPr>
+        <p:spPr/>
+        <p:txBody>
+          <a:bodyPr/>
+          <a:lstStyle/>
+          <a:p>
+            <a:fld id="{1E99F2B5-2C25-8F42-812A-64952A72A267}" type="slidenum">
+              <a:rPr lang="en-US" smtClean="0"/>
+              <a:t>2</a:t>
+            </a:fld>
+            <a:endParaRPr lang="en-US"/>
+          </a:p>
+        </p:txBody>
+      </p:sp>
+    </p:spTree>
+    <p:extLst>
+      <p:ext uri="{BB962C8B-B14F-4D97-AF65-F5344CB8AC3E}">
+        <p14:creationId xmlns:p14="http://schemas.microsoft.com/office/powerpoint/2010/main" val="3810070482"/>
+      </p:ext>
+    </p:extLst>
+  </p:cSld>
+  <p:clrMapOvr>
+    <a:masterClrMapping/>
+  </p:clrMapOvr>
+</p:notes>
+</file>
+
+<file path=ppt/notesSlides/notesSlide10.xml><?xml version="1.0" encoding="utf-8"?>
+<p:notes xmlns:a="http://schemas.openxmlformats.org/drawingml/2006/main" xmlns:r="http://schemas.openxmlformats.org/officeDocument/2006/relationships" xmlns:p="http://schemas.openxmlformats.org/presentationml/2006/main">
+  <p:cSld>
+    <p:spTree>
+      <p:nvGrpSpPr>
+        <p:cNvPr id="1" name=""/>
+        <p:cNvGrpSpPr/>
+        <p:nvPr/>
+      </p:nvGrpSpPr>
+      <p:grpSpPr>
+        <a:xfrm>
+          <a:off x="0" y="0"/>
+          <a:ext cx="0" cy="0"/>
+          <a:chOff x="0" y="0"/>
+          <a:chExt cx="0" cy="0"/>
+        </a:xfrm>
+      </p:grpSpPr>
+      <p:sp>
+        <p:nvSpPr>
+          <p:cNvPr id="2" name="Slide Image Placeholder 1"/>
+          <p:cNvSpPr>
+            <a:spLocks noGrp="1" noRot="1" noChangeAspect="1"/>
+          </p:cNvSpPr>
+          <p:nvPr>
+            <p:ph type="sldImg"/>
+          </p:nvPr>
+        </p:nvSpPr>
+        <p:spPr/>
+      </p:sp>
+      <p:sp>
+        <p:nvSpPr>
+          <p:cNvPr id="3" name="Notes Placeholder 2"/>
+          <p:cNvSpPr>
+            <a:spLocks noGrp="1"/>
+          </p:cNvSpPr>
+          <p:nvPr>
+            <p:ph type="body" idx="1"/>
+          </p:nvPr>
+        </p:nvSpPr>
+        <p:spPr/>
+        <p:txBody>
+          <a:bodyPr/>
+          <a:lstStyle/>
+          <a:p>
+            <a:r>
+              <a:rPr lang="en-US" dirty="0"/>
+              <a:t>Thank you for listening.</a:t>
+            </a:r>
+          </a:p>
+        </p:txBody>
+      </p:sp>
+      <p:sp>
+        <p:nvSpPr>
+          <p:cNvPr id="4" name="Slide Number Placeholder 3"/>
+          <p:cNvSpPr>
+            <a:spLocks noGrp="1"/>
+          </p:cNvSpPr>
+          <p:nvPr>
+            <p:ph type="sldNum" sz="quarter" idx="5"/>
+          </p:nvPr>
+        </p:nvSpPr>
+        <p:spPr/>
+        <p:txBody>
+          <a:bodyPr/>
+          <a:lstStyle/>
+          <a:p>
+            <a:fld id="{1E99F2B5-2C25-8F42-812A-64952A72A267}" type="slidenum">
+              <a:rPr lang="en-US" smtClean="0"/>
+              <a:t>11</a:t>
+            </a:fld>
+            <a:endParaRPr lang="en-US"/>
+          </a:p>
+        </p:txBody>
+      </p:sp>
+    </p:spTree>
+    <p:extLst>
+      <p:ext uri="{BB962C8B-B14F-4D97-AF65-F5344CB8AC3E}">
+        <p14:creationId xmlns:p14="http://schemas.microsoft.com/office/powerpoint/2010/main" val="1859974019"/>
+      </p:ext>
+    </p:extLst>
+  </p:cSld>
+  <p:clrMapOvr>
+    <a:masterClrMapping/>
+  </p:clrMapOvr>
+</p:notes>
+</file>
+
+<file path=ppt/notesSlides/notesSlide2.xml><?xml version="1.0" encoding="utf-8"?>
+<p:notes xmlns:a="http://schemas.openxmlformats.org/drawingml/2006/main" xmlns:r="http://schemas.openxmlformats.org/officeDocument/2006/relationships" xmlns:p="http://schemas.openxmlformats.org/presentationml/2006/main">
+  <p:cSld>
+    <p:spTree>
+      <p:nvGrpSpPr>
+        <p:cNvPr id="1" name=""/>
+        <p:cNvGrpSpPr/>
+        <p:nvPr/>
+      </p:nvGrpSpPr>
+      <p:grpSpPr>
+        <a:xfrm>
+          <a:off x="0" y="0"/>
+          <a:ext cx="0" cy="0"/>
+          <a:chOff x="0" y="0"/>
+          <a:chExt cx="0" cy="0"/>
+        </a:xfrm>
+      </p:grpSpPr>
+      <p:sp>
+        <p:nvSpPr>
+          <p:cNvPr id="2" name="Slide Image Placeholder 1"/>
+          <p:cNvSpPr>
+            <a:spLocks noGrp="1" noRot="1" noChangeAspect="1"/>
+          </p:cNvSpPr>
+          <p:nvPr>
+            <p:ph type="sldImg"/>
+          </p:nvPr>
+        </p:nvSpPr>
+        <p:spPr/>
+      </p:sp>
+      <p:sp>
+        <p:nvSpPr>
+          <p:cNvPr id="3" name="Notes Placeholder 2"/>
+          <p:cNvSpPr>
+            <a:spLocks noGrp="1"/>
+          </p:cNvSpPr>
+          <p:nvPr>
+            <p:ph type="body" idx="1"/>
+          </p:nvPr>
+        </p:nvSpPr>
+        <p:spPr/>
+        <p:txBody>
+          <a:bodyPr/>
+          <a:lstStyle/>
+          <a:p>
+            <a:r>
+              <a:rPr lang="en-US" dirty="0"/>
+              <a:t>Well, we all know that OPTIMAL POWER FLOW is used in power system operational planning to estimate the most optimal point, which is the most economically efficient solution.</a:t>
+            </a:r>
+          </a:p>
+          <a:p>
+            <a:endParaRPr lang="en-US" dirty="0"/>
+          </a:p>
+          <a:p>
+            <a:r>
+              <a:rPr lang="en-US" dirty="0"/>
+              <a:t>However, due to increasing uncertainty, such as renewable generation and EVs, </a:t>
+            </a:r>
+          </a:p>
+          <a:p>
+            <a:r>
+              <a:rPr lang="en-US" dirty="0"/>
+              <a:t>nowadays, the optimal solution is required to be updated in real time </a:t>
+            </a:r>
+          </a:p>
+          <a:p>
+            <a:r>
+              <a:rPr lang="en-US" dirty="0"/>
+              <a:t>to respond to observed uncertainty realizations.</a:t>
+            </a:r>
+          </a:p>
+          <a:p>
+            <a:endParaRPr lang="en-US" dirty="0"/>
+          </a:p>
+          <a:p>
+            <a:r>
+              <a:rPr lang="en-US" dirty="0"/>
+              <a:t>But the problem here is that, because of the low computational efficiency in traditional methods, </a:t>
+            </a:r>
+          </a:p>
+          <a:p>
+            <a:r>
+              <a:rPr lang="en-US" dirty="0"/>
+              <a:t>it is not possible to update the optimal solution as fast as we want.</a:t>
+            </a:r>
+          </a:p>
+          <a:p>
+            <a:endParaRPr lang="en-US" dirty="0"/>
+          </a:p>
+          <a:p>
+            <a:r>
+              <a:rPr lang="en-US" dirty="0"/>
+              <a:t>So, the paper proposed a new approach to obtaining an optimal solution with high computational efficiency.</a:t>
+            </a:r>
+            <a:r>
+              <a:rPr lang="ko-KR" altLang="en-US" dirty="0"/>
+              <a:t> </a:t>
+            </a:r>
+            <a:endParaRPr lang="en-US" altLang="ko-KR" dirty="0"/>
+          </a:p>
+          <a:p>
+            <a:r>
+              <a:rPr lang="en-US" altLang="ko-KR" dirty="0"/>
+              <a:t>Of course, satisfactory accuracy must be guaranteed.</a:t>
+            </a:r>
+            <a:endParaRPr lang="en-US" dirty="0"/>
+          </a:p>
+        </p:txBody>
+      </p:sp>
+      <p:sp>
+        <p:nvSpPr>
+          <p:cNvPr id="4" name="Slide Number Placeholder 3"/>
+          <p:cNvSpPr>
+            <a:spLocks noGrp="1"/>
+          </p:cNvSpPr>
+          <p:nvPr>
+            <p:ph type="sldNum" sz="quarter" idx="5"/>
+          </p:nvPr>
+        </p:nvSpPr>
+        <p:spPr/>
+        <p:txBody>
+          <a:bodyPr/>
+          <a:lstStyle/>
+          <a:p>
+            <a:fld id="{1E99F2B5-2C25-8F42-812A-64952A72A267}" type="slidenum">
+              <a:rPr lang="en-US" smtClean="0"/>
+              <a:t>3</a:t>
+            </a:fld>
+            <a:endParaRPr lang="en-US"/>
+          </a:p>
+        </p:txBody>
+      </p:sp>
+    </p:spTree>
+    <p:extLst>
+      <p:ext uri="{BB962C8B-B14F-4D97-AF65-F5344CB8AC3E}">
+        <p14:creationId xmlns:p14="http://schemas.microsoft.com/office/powerpoint/2010/main" val="795162663"/>
+      </p:ext>
+    </p:extLst>
+  </p:cSld>
+  <p:clrMapOvr>
+    <a:masterClrMapping/>
+  </p:clrMapOvr>
+</p:notes>
+</file>
+
+<file path=ppt/notesSlides/notesSlide3.xml><?xml version="1.0" encoding="utf-8"?>
+<p:notes xmlns:a="http://schemas.openxmlformats.org/drawingml/2006/main" xmlns:r="http://schemas.openxmlformats.org/officeDocument/2006/relationships" xmlns:p="http://schemas.openxmlformats.org/presentationml/2006/main">
+  <p:cSld>
+    <p:spTree>
+      <p:nvGrpSpPr>
+        <p:cNvPr id="1" name=""/>
+        <p:cNvGrpSpPr/>
+        <p:nvPr/>
+      </p:nvGrpSpPr>
+      <p:grpSpPr>
+        <a:xfrm>
+          <a:off x="0" y="0"/>
+          <a:ext cx="0" cy="0"/>
+          <a:chOff x="0" y="0"/>
+          <a:chExt cx="0" cy="0"/>
+        </a:xfrm>
+      </p:grpSpPr>
+      <p:sp>
+        <p:nvSpPr>
+          <p:cNvPr id="2" name="Slide Image Placeholder 1"/>
+          <p:cNvSpPr>
+            <a:spLocks noGrp="1" noRot="1" noChangeAspect="1"/>
+          </p:cNvSpPr>
+          <p:nvPr>
+            <p:ph type="sldImg"/>
+          </p:nvPr>
+        </p:nvSpPr>
+        <p:spPr/>
+      </p:sp>
+      <p:sp>
+        <p:nvSpPr>
+          <p:cNvPr id="3" name="Notes Placeholder 2"/>
+          <p:cNvSpPr>
+            <a:spLocks noGrp="1"/>
+          </p:cNvSpPr>
+          <p:nvPr>
+            <p:ph type="body" idx="1"/>
+          </p:nvPr>
+        </p:nvSpPr>
+        <p:spPr/>
+        <p:txBody>
+          <a:bodyPr/>
+          <a:lstStyle/>
+          <a:p>
+            <a:r>
+              <a:rPr lang="en-US" dirty="0"/>
+              <a:t>In this paper, to simplify the problem, DC</a:t>
+            </a:r>
+            <a:r>
+              <a:rPr lang="ko-KR" altLang="en-US" dirty="0"/>
+              <a:t> </a:t>
+            </a:r>
+            <a:r>
+              <a:rPr lang="en-US" altLang="ko-KR" dirty="0"/>
+              <a:t>PF</a:t>
+            </a:r>
+            <a:r>
+              <a:rPr lang="en-US" dirty="0"/>
+              <a:t> was assumed.</a:t>
+            </a:r>
+          </a:p>
+          <a:p>
+            <a:endParaRPr lang="en-US" dirty="0"/>
+          </a:p>
+          <a:p>
+            <a:r>
+              <a:rPr lang="en-US" dirty="0"/>
+              <a:t>They set up a function called “CONTROL POLICY”,  </a:t>
+            </a:r>
+          </a:p>
+          <a:p>
+            <a:r>
+              <a:rPr lang="en-US" dirty="0"/>
+              <a:t>mapping adjusts the generation in response to uncertainty realization.</a:t>
+            </a:r>
+          </a:p>
+          <a:p>
+            <a:endParaRPr lang="en-US" dirty="0"/>
+          </a:p>
+          <a:p>
+            <a:r>
+              <a:rPr lang="en-US" dirty="0"/>
+              <a:t>It takes w(omega</a:t>
+            </a:r>
+            <a:r>
+              <a:rPr lang="en-US" altLang="ko-KR" dirty="0"/>
+              <a:t>)</a:t>
+            </a:r>
+            <a:r>
+              <a:rPr lang="en-US" dirty="0"/>
+              <a:t> as an input argument, which is an uncertainty realization vector </a:t>
+            </a:r>
+          </a:p>
+          <a:p>
+            <a:r>
+              <a:rPr lang="en-US" dirty="0"/>
+              <a:t>follows multivariate normal distribution </a:t>
+            </a:r>
+          </a:p>
+          <a:p>
+            <a:r>
+              <a:rPr lang="en-US" dirty="0"/>
+              <a:t>mu=0 and std are proportional to the load elements.</a:t>
+            </a:r>
+          </a:p>
+          <a:p>
+            <a:endParaRPr lang="en-US" dirty="0"/>
+          </a:p>
+          <a:p>
+            <a:r>
+              <a:rPr lang="en-US" dirty="0"/>
+              <a:t>And as an output, it returns an optimal solution of the system.</a:t>
+            </a:r>
+          </a:p>
+          <a:p>
+            <a:endParaRPr lang="en-US" dirty="0"/>
+          </a:p>
+          <a:p>
+            <a:endParaRPr lang="en-US" dirty="0"/>
+          </a:p>
+        </p:txBody>
+      </p:sp>
+      <p:sp>
+        <p:nvSpPr>
+          <p:cNvPr id="4" name="Slide Number Placeholder 3"/>
+          <p:cNvSpPr>
+            <a:spLocks noGrp="1"/>
+          </p:cNvSpPr>
+          <p:nvPr>
+            <p:ph type="sldNum" sz="quarter" idx="5"/>
+          </p:nvPr>
+        </p:nvSpPr>
+        <p:spPr/>
+        <p:txBody>
+          <a:bodyPr/>
+          <a:lstStyle/>
+          <a:p>
+            <a:fld id="{1E99F2B5-2C25-8F42-812A-64952A72A267}" type="slidenum">
+              <a:rPr lang="en-US" smtClean="0"/>
+              <a:t>4</a:t>
+            </a:fld>
+            <a:endParaRPr lang="en-US"/>
+          </a:p>
+        </p:txBody>
+      </p:sp>
+    </p:spTree>
+    <p:extLst>
+      <p:ext uri="{BB962C8B-B14F-4D97-AF65-F5344CB8AC3E}">
+        <p14:creationId xmlns:p14="http://schemas.microsoft.com/office/powerpoint/2010/main" val="3578470174"/>
+      </p:ext>
+    </p:extLst>
+  </p:cSld>
+  <p:clrMapOvr>
+    <a:masterClrMapping/>
+  </p:clrMapOvr>
+</p:notes>
+</file>
+
+<file path=ppt/notesSlides/notesSlide4.xml><?xml version="1.0" encoding="utf-8"?>
+<p:notes xmlns:a="http://schemas.openxmlformats.org/drawingml/2006/main" xmlns:r="http://schemas.openxmlformats.org/officeDocument/2006/relationships" xmlns:p="http://schemas.openxmlformats.org/presentationml/2006/main">
+  <p:cSld>
+    <p:spTree>
+      <p:nvGrpSpPr>
+        <p:cNvPr id="1" name=""/>
+        <p:cNvGrpSpPr/>
+        <p:nvPr/>
+      </p:nvGrpSpPr>
+      <p:grpSpPr>
+        <a:xfrm>
+          <a:off x="0" y="0"/>
+          <a:ext cx="0" cy="0"/>
+          <a:chOff x="0" y="0"/>
+          <a:chExt cx="0" cy="0"/>
+        </a:xfrm>
+      </p:grpSpPr>
+      <p:sp>
+        <p:nvSpPr>
+          <p:cNvPr id="2" name="Slide Image Placeholder 1"/>
+          <p:cNvSpPr>
+            <a:spLocks noGrp="1" noRot="1" noChangeAspect="1"/>
+          </p:cNvSpPr>
+          <p:nvPr>
+            <p:ph type="sldImg"/>
+          </p:nvPr>
+        </p:nvSpPr>
+        <p:spPr/>
+      </p:sp>
+      <p:sp>
+        <p:nvSpPr>
+          <p:cNvPr id="3" name="Notes Placeholder 2"/>
+          <p:cNvSpPr>
+            <a:spLocks noGrp="1"/>
+          </p:cNvSpPr>
+          <p:nvPr>
+            <p:ph type="body" idx="1"/>
+          </p:nvPr>
+        </p:nvSpPr>
+        <p:spPr/>
+        <p:txBody>
+          <a:bodyPr/>
+          <a:lstStyle/>
+          <a:p>
+            <a:r>
+              <a:rPr lang="en-US" dirty="0"/>
+              <a:t>Since the given constraints are all in linear,  </a:t>
+            </a:r>
+          </a:p>
+          <a:p>
+            <a:r>
+              <a:rPr lang="en-US" dirty="0"/>
+              <a:t>we can represent the feasible set, polytope,  in the following matrix form.</a:t>
+            </a:r>
+          </a:p>
+          <a:p>
+            <a:endParaRPr lang="en-US" dirty="0"/>
+          </a:p>
+          <a:p>
+            <a:r>
+              <a:rPr lang="en-US" dirty="0"/>
+              <a:t>To explain the notation,</a:t>
+            </a:r>
+            <a:r>
+              <a:rPr lang="ko-KR" altLang="en-US" dirty="0"/>
+              <a:t> </a:t>
+            </a:r>
+            <a:endParaRPr lang="en-US" altLang="ko-KR" dirty="0"/>
+          </a:p>
+          <a:p>
+            <a:r>
+              <a:rPr lang="en-US" altLang="ko-KR" dirty="0"/>
+              <a:t>M is PTDF (Power Transfer Distribution Factor),</a:t>
+            </a:r>
+          </a:p>
+          <a:p>
+            <a:r>
+              <a:rPr lang="en-US" dirty="0"/>
+              <a:t>H is mapping matrix between generators and buses,</a:t>
+            </a:r>
+          </a:p>
+          <a:p>
+            <a:r>
+              <a:rPr lang="en-US" dirty="0"/>
+              <a:t>w is uncertainty realization vector,</a:t>
+            </a:r>
+          </a:p>
+          <a:p>
+            <a:r>
+              <a:rPr lang="en-US" dirty="0"/>
+              <a:t>and d is load vector.</a:t>
+            </a:r>
+          </a:p>
+          <a:p>
+            <a:endParaRPr lang="en-US" dirty="0"/>
+          </a:p>
+          <a:p>
+            <a:r>
+              <a:rPr lang="en-US" dirty="0"/>
+              <a:t>n = num of gens</a:t>
+            </a:r>
+          </a:p>
+          <a:p>
+            <a:r>
+              <a:rPr lang="en-US" dirty="0"/>
+              <a:t>m = num of lines</a:t>
+            </a:r>
+          </a:p>
+          <a:p>
+            <a:r>
+              <a:rPr lang="en-US" dirty="0"/>
+              <a:t>v = num of buses</a:t>
+            </a:r>
+          </a:p>
+          <a:p>
+            <a:endParaRPr lang="en-US" dirty="0"/>
+          </a:p>
+          <a:p>
+            <a:r>
+              <a:rPr lang="en-US" dirty="0"/>
+              <a:t>mu =  vector of forecast non-dispatchable active power</a:t>
+            </a:r>
+          </a:p>
+          <a:p>
+            <a:endParaRPr lang="en-US" dirty="0"/>
+          </a:p>
+          <a:p>
+            <a:pPr marL="0" marR="0" lvl="0" indent="0" algn="l" defTabSz="914400" rtl="0" eaLnBrk="1" fontAlgn="auto" latinLnBrk="0" hangingPunct="1">
+              <a:lnSpc>
+                <a:spcPct val="100000"/>
+              </a:lnSpc>
+              <a:spcBef>
+                <a:spcPts val="0"/>
+              </a:spcBef>
+              <a:spcAft>
+                <a:spcPts val="0"/>
+              </a:spcAft>
+              <a:buClrTx/>
+              <a:buSzTx/>
+              <a:buFontTx/>
+              <a:buNone/>
+              <a:tabLst/>
+              <a:defRPr/>
+            </a:pPr>
+            <a:r>
+              <a:rPr lang="en-US" dirty="0"/>
+              <a:t>Since all the constraints are in linear and cost function is linear (or quadratic )function, </a:t>
+            </a:r>
+          </a:p>
+          <a:p>
+            <a:pPr marL="0" marR="0" lvl="0" indent="0" algn="l" defTabSz="914400" rtl="0" eaLnBrk="1" fontAlgn="auto" latinLnBrk="0" hangingPunct="1">
+              <a:lnSpc>
+                <a:spcPct val="100000"/>
+              </a:lnSpc>
+              <a:spcBef>
+                <a:spcPts val="0"/>
+              </a:spcBef>
+              <a:spcAft>
+                <a:spcPts val="0"/>
+              </a:spcAft>
+              <a:buClrTx/>
+              <a:buSzTx/>
+              <a:buFontTx/>
+              <a:buNone/>
+              <a:tabLst/>
+              <a:defRPr/>
+            </a:pPr>
+            <a:r>
+              <a:rPr lang="en-US" dirty="0"/>
+              <a:t>this problem is an easy problem.</a:t>
+            </a:r>
+          </a:p>
+          <a:p>
+            <a:r>
+              <a:rPr lang="en-US" dirty="0"/>
+              <a:t>However, the focus of this paper is computational efficiency.</a:t>
+            </a:r>
+          </a:p>
+          <a:p>
+            <a:endParaRPr lang="en-US" dirty="0"/>
+          </a:p>
+          <a:p>
+            <a:endParaRPr lang="en-US" dirty="0"/>
+          </a:p>
+          <a:p>
+            <a:r>
+              <a:rPr lang="ko-KR" altLang="en-US" dirty="0"/>
+              <a:t>기존 방식의 복잡도가 높다는 내용 필요</a:t>
+            </a:r>
+            <a:r>
+              <a:rPr lang="en-US" altLang="ko-KR" dirty="0"/>
+              <a:t>.</a:t>
+            </a:r>
+          </a:p>
+          <a:p>
+            <a:pPr marL="171450" indent="-171450">
+              <a:buFontTx/>
+              <a:buChar char="-"/>
+            </a:pPr>
+            <a:r>
+              <a:rPr lang="en-US" dirty="0"/>
+              <a:t>Bisection </a:t>
+            </a:r>
+            <a:r>
+              <a:rPr lang="en-US" dirty="0">
+                <a:sym typeface="Wingdings" pitchFamily="2" charset="2"/>
+              </a:rPr>
+              <a:t> 3^N solutions</a:t>
+            </a:r>
+          </a:p>
+          <a:p>
+            <a:pPr marL="171450" indent="-171450">
+              <a:buFontTx/>
+              <a:buChar char="-"/>
+            </a:pPr>
+            <a:r>
+              <a:rPr lang="en-US" dirty="0">
+                <a:sym typeface="Wingdings" pitchFamily="2" charset="2"/>
+              </a:rPr>
+              <a:t>- exhaustive search  2^NT</a:t>
+            </a:r>
+          </a:p>
+          <a:p>
+            <a:pPr marL="171450" indent="-171450">
+              <a:buFontTx/>
+              <a:buChar char="-"/>
+            </a:pPr>
+            <a:r>
+              <a:rPr lang="en-US" dirty="0">
+                <a:sym typeface="Wingdings" pitchFamily="2" charset="2"/>
+              </a:rPr>
+              <a:t>Branch and Bound (recursive method)  complexity depends on (I, u)</a:t>
+            </a:r>
+            <a:endParaRPr lang="en-US" dirty="0"/>
+          </a:p>
+        </p:txBody>
+      </p:sp>
+      <p:sp>
+        <p:nvSpPr>
+          <p:cNvPr id="4" name="Slide Number Placeholder 3"/>
+          <p:cNvSpPr>
+            <a:spLocks noGrp="1"/>
+          </p:cNvSpPr>
+          <p:nvPr>
+            <p:ph type="sldNum" sz="quarter" idx="5"/>
+          </p:nvPr>
+        </p:nvSpPr>
+        <p:spPr/>
+        <p:txBody>
+          <a:bodyPr/>
+          <a:lstStyle/>
+          <a:p>
+            <a:fld id="{1E99F2B5-2C25-8F42-812A-64952A72A267}" type="slidenum">
+              <a:rPr lang="en-US" smtClean="0"/>
+              <a:t>5</a:t>
+            </a:fld>
+            <a:endParaRPr lang="en-US"/>
+          </a:p>
+        </p:txBody>
+      </p:sp>
+    </p:spTree>
+    <p:extLst>
+      <p:ext uri="{BB962C8B-B14F-4D97-AF65-F5344CB8AC3E}">
+        <p14:creationId xmlns:p14="http://schemas.microsoft.com/office/powerpoint/2010/main" val="779884214"/>
+      </p:ext>
+    </p:extLst>
+  </p:cSld>
+  <p:clrMapOvr>
+    <a:masterClrMapping/>
+  </p:clrMapOvr>
+</p:notes>
+</file>
+
+<file path=ppt/notesSlides/notesSlide5.xml><?xml version="1.0" encoding="utf-8"?>
+<p:notes xmlns:a="http://schemas.openxmlformats.org/drawingml/2006/main" xmlns:r="http://schemas.openxmlformats.org/officeDocument/2006/relationships" xmlns:p="http://schemas.openxmlformats.org/presentationml/2006/main">
+  <p:cSld>
+    <p:spTree>
+      <p:nvGrpSpPr>
+        <p:cNvPr id="1" name=""/>
+        <p:cNvGrpSpPr/>
+        <p:nvPr/>
+      </p:nvGrpSpPr>
+      <p:grpSpPr>
+        <a:xfrm>
+          <a:off x="0" y="0"/>
+          <a:ext cx="0" cy="0"/>
+          <a:chOff x="0" y="0"/>
+          <a:chExt cx="0" cy="0"/>
+        </a:xfrm>
+      </p:grpSpPr>
+      <p:sp>
+        <p:nvSpPr>
+          <p:cNvPr id="2" name="Slide Image Placeholder 1"/>
+          <p:cNvSpPr>
+            <a:spLocks noGrp="1" noRot="1" noChangeAspect="1"/>
+          </p:cNvSpPr>
+          <p:nvPr>
+            <p:ph type="sldImg"/>
+          </p:nvPr>
+        </p:nvSpPr>
+        <p:spPr/>
+      </p:sp>
+      <p:sp>
+        <p:nvSpPr>
+          <p:cNvPr id="3" name="Notes Placeholder 2"/>
+          <p:cNvSpPr>
+            <a:spLocks noGrp="1"/>
+          </p:cNvSpPr>
+          <p:nvPr>
+            <p:ph type="body" idx="1"/>
+          </p:nvPr>
+        </p:nvSpPr>
+        <p:spPr/>
+        <p:txBody>
+          <a:bodyPr/>
+          <a:lstStyle/>
+          <a:p>
+            <a:r>
+              <a:rPr lang="en-US" dirty="0"/>
+              <a:t>Before explaining the method proposed in this paper, I think it is necessary to look at the two traditional approaches.</a:t>
+            </a:r>
+          </a:p>
+          <a:p>
+            <a:endParaRPr lang="en-US" dirty="0"/>
+          </a:p>
+          <a:p>
+            <a:r>
+              <a:rPr lang="en-US" dirty="0"/>
+              <a:t>The first one is ML METHOD. </a:t>
+            </a:r>
+          </a:p>
+          <a:p>
+            <a:r>
+              <a:rPr lang="en-US" dirty="0"/>
+              <a:t>The main feature of this approach is that </a:t>
+            </a:r>
+          </a:p>
+          <a:p>
+            <a:r>
+              <a:rPr lang="en-US" dirty="0"/>
+              <a:t>a model is trained to learn direct mapping between uncertainty realization and optimal solutions.</a:t>
+            </a:r>
+          </a:p>
+          <a:p>
+            <a:endParaRPr lang="en-US" dirty="0"/>
+          </a:p>
+          <a:p>
+            <a:r>
+              <a:rPr lang="en-US" dirty="0"/>
+              <a:t>Due to the nature of ML, training stage requires a lot of computation, and it might take a long time. </a:t>
+            </a:r>
+          </a:p>
+          <a:p>
+            <a:r>
+              <a:rPr lang="en-US" dirty="0"/>
+              <a:t>But once we have the trained model,  in other words, when we are in inference step, extremely high computational efficiency is guaranteed.</a:t>
+            </a:r>
+          </a:p>
+          <a:p>
+            <a:r>
+              <a:rPr lang="en-US" dirty="0"/>
+              <a:t>However, the drawback of this approach is that the performance of the model depends on the size of training dataset.</a:t>
+            </a:r>
+          </a:p>
+          <a:p>
+            <a:endParaRPr lang="en-US" dirty="0"/>
+          </a:p>
+          <a:p>
+            <a:r>
+              <a:rPr lang="en-US" dirty="0"/>
+              <a:t>The second one is ENSEMBLE CONTROL POLICY.</a:t>
+            </a:r>
+          </a:p>
+          <a:p>
+            <a:r>
+              <a:rPr lang="en-US" dirty="0"/>
+              <a:t>The important feature of this method is that it maps active constraints instead of optimal solutions.</a:t>
+            </a:r>
+          </a:p>
+          <a:p>
+            <a:r>
+              <a:rPr lang="en-US" dirty="0"/>
+              <a:t>Once we obtain the active constraints, we can estimate the optimal solution through the following two observations.</a:t>
+            </a:r>
+          </a:p>
+          <a:p>
+            <a:r>
+              <a:rPr lang="en-US" dirty="0"/>
+              <a:t>By the way, the key point of obtaining  active constraints is that we can drastically reduce the size of the matrix used in the matrix expression below.</a:t>
+            </a:r>
+          </a:p>
+          <a:p>
+            <a:r>
+              <a:rPr lang="en-US" dirty="0"/>
+              <a:t>This approach allows accurate estimation, but the disadvantage of this method is that it still uses an exhaustive searching algorithm.</a:t>
+            </a:r>
+          </a:p>
+          <a:p>
+            <a:endParaRPr lang="en-US" dirty="0"/>
+          </a:p>
+          <a:p>
+            <a:pPr marL="0" marR="0" lvl="0" indent="0" algn="l" defTabSz="914400" rtl="0" eaLnBrk="1" fontAlgn="auto" latinLnBrk="0" hangingPunct="1">
+              <a:lnSpc>
+                <a:spcPct val="100000"/>
+              </a:lnSpc>
+              <a:spcBef>
+                <a:spcPts val="0"/>
+              </a:spcBef>
+              <a:spcAft>
+                <a:spcPts val="0"/>
+              </a:spcAft>
+              <a:buClrTx/>
+              <a:buSzTx/>
+              <a:buFontTx/>
+              <a:buNone/>
+              <a:tabLst/>
+              <a:defRPr/>
+            </a:pPr>
+            <a:r>
+              <a:rPr lang="en-US" dirty="0">
+                <a:solidFill>
+                  <a:srgbClr val="FF0000"/>
+                </a:solidFill>
+                <a:highlight>
+                  <a:srgbClr val="FFFF00"/>
+                </a:highlight>
+              </a:rPr>
+              <a:t>Searching algor </a:t>
+            </a:r>
+            <a:r>
+              <a:rPr lang="en-US" dirty="0">
+                <a:solidFill>
+                  <a:srgbClr val="FF0000"/>
+                </a:solidFill>
+                <a:highlight>
+                  <a:srgbClr val="FFFF00"/>
+                </a:highlight>
+                <a:sym typeface="Wingdings" pitchFamily="2" charset="2"/>
+              </a:rPr>
+              <a:t>  entails solving 2^NT</a:t>
+            </a:r>
+          </a:p>
+          <a:p>
+            <a:endParaRPr lang="en-US" dirty="0">
+              <a:solidFill>
+                <a:srgbClr val="FF0000"/>
+              </a:solidFill>
+            </a:endParaRPr>
+          </a:p>
+          <a:p>
+            <a:endParaRPr lang="en-US" dirty="0"/>
+          </a:p>
+        </p:txBody>
+      </p:sp>
+      <p:sp>
+        <p:nvSpPr>
+          <p:cNvPr id="4" name="Slide Number Placeholder 3"/>
+          <p:cNvSpPr>
+            <a:spLocks noGrp="1"/>
+          </p:cNvSpPr>
+          <p:nvPr>
+            <p:ph type="sldNum" sz="quarter" idx="5"/>
+          </p:nvPr>
+        </p:nvSpPr>
+        <p:spPr/>
+        <p:txBody>
+          <a:bodyPr/>
+          <a:lstStyle/>
+          <a:p>
+            <a:fld id="{1E99F2B5-2C25-8F42-812A-64952A72A267}" type="slidenum">
+              <a:rPr lang="en-US" smtClean="0"/>
+              <a:t>6</a:t>
+            </a:fld>
+            <a:endParaRPr lang="en-US"/>
+          </a:p>
+        </p:txBody>
+      </p:sp>
+    </p:spTree>
+    <p:extLst>
+      <p:ext uri="{BB962C8B-B14F-4D97-AF65-F5344CB8AC3E}">
+        <p14:creationId xmlns:p14="http://schemas.microsoft.com/office/powerpoint/2010/main" val="3326582234"/>
+      </p:ext>
+    </p:extLst>
+  </p:cSld>
+  <p:clrMapOvr>
+    <a:masterClrMapping/>
+  </p:clrMapOvr>
+</p:notes>
+</file>
+
+<file path=ppt/notesSlides/notesSlide6.xml><?xml version="1.0" encoding="utf-8"?>
+<p:notes xmlns:a="http://schemas.openxmlformats.org/drawingml/2006/main" xmlns:r="http://schemas.openxmlformats.org/officeDocument/2006/relationships" xmlns:p="http://schemas.openxmlformats.org/presentationml/2006/main">
+  <p:cSld>
+    <p:spTree>
+      <p:nvGrpSpPr>
+        <p:cNvPr id="1" name=""/>
+        <p:cNvGrpSpPr/>
+        <p:nvPr/>
+      </p:nvGrpSpPr>
+      <p:grpSpPr>
+        <a:xfrm>
+          <a:off x="0" y="0"/>
+          <a:ext cx="0" cy="0"/>
+          <a:chOff x="0" y="0"/>
+          <a:chExt cx="0" cy="0"/>
+        </a:xfrm>
+      </p:grpSpPr>
+      <p:sp>
+        <p:nvSpPr>
+          <p:cNvPr id="2" name="Slide Image Placeholder 1"/>
+          <p:cNvSpPr>
+            <a:spLocks noGrp="1" noRot="1" noChangeAspect="1"/>
+          </p:cNvSpPr>
+          <p:nvPr>
+            <p:ph type="sldImg"/>
+          </p:nvPr>
+        </p:nvSpPr>
+        <p:spPr/>
+      </p:sp>
+      <p:sp>
+        <p:nvSpPr>
+          <p:cNvPr id="3" name="Notes Placeholder 2"/>
+          <p:cNvSpPr>
+            <a:spLocks noGrp="1"/>
+          </p:cNvSpPr>
+          <p:nvPr>
+            <p:ph type="body" idx="1"/>
+          </p:nvPr>
+        </p:nvSpPr>
+        <p:spPr/>
+        <p:txBody>
+          <a:bodyPr/>
+          <a:lstStyle/>
+          <a:p>
+            <a:r>
+              <a:rPr lang="en-US" dirty="0"/>
+              <a:t>So, in this paper, they proposed a new method that took advantage of the above two methods.</a:t>
+            </a:r>
+          </a:p>
+          <a:p>
+            <a:endParaRPr lang="en-US" dirty="0"/>
+          </a:p>
+          <a:p>
+            <a:r>
+              <a:rPr lang="en-US" dirty="0"/>
+              <a:t>They proposed to learning the mapping between uncertainty realization and active constraints through a Neural Network Classification model.</a:t>
+            </a:r>
+          </a:p>
+          <a:p>
+            <a:r>
+              <a:rPr lang="en-US" dirty="0"/>
+              <a:t>Which will allow us to have high computational efficiency and satisfactory performance.</a:t>
+            </a:r>
+          </a:p>
+          <a:p>
+            <a:endParaRPr lang="en-US" dirty="0"/>
+          </a:p>
+          <a:p>
+            <a:endParaRPr lang="en-US" dirty="0"/>
+          </a:p>
+        </p:txBody>
+      </p:sp>
+      <p:sp>
+        <p:nvSpPr>
+          <p:cNvPr id="4" name="Slide Number Placeholder 3"/>
+          <p:cNvSpPr>
+            <a:spLocks noGrp="1"/>
+          </p:cNvSpPr>
+          <p:nvPr>
+            <p:ph type="sldNum" sz="quarter" idx="5"/>
+          </p:nvPr>
+        </p:nvSpPr>
+        <p:spPr/>
+        <p:txBody>
+          <a:bodyPr/>
+          <a:lstStyle/>
+          <a:p>
+            <a:fld id="{1E99F2B5-2C25-8F42-812A-64952A72A267}" type="slidenum">
+              <a:rPr lang="en-US" smtClean="0"/>
+              <a:t>7</a:t>
+            </a:fld>
+            <a:endParaRPr lang="en-US"/>
+          </a:p>
+        </p:txBody>
+      </p:sp>
+    </p:spTree>
+    <p:extLst>
+      <p:ext uri="{BB962C8B-B14F-4D97-AF65-F5344CB8AC3E}">
+        <p14:creationId xmlns:p14="http://schemas.microsoft.com/office/powerpoint/2010/main" val="2325939291"/>
+      </p:ext>
+    </p:extLst>
+  </p:cSld>
+  <p:clrMapOvr>
+    <a:masterClrMapping/>
+  </p:clrMapOvr>
+</p:notes>
+</file>
+
+<file path=ppt/notesSlides/notesSlide7.xml><?xml version="1.0" encoding="utf-8"?>
+<p:notes xmlns:a="http://schemas.openxmlformats.org/drawingml/2006/main" xmlns:r="http://schemas.openxmlformats.org/officeDocument/2006/relationships" xmlns:p="http://schemas.openxmlformats.org/presentationml/2006/main">
+  <p:cSld>
+    <p:spTree>
+      <p:nvGrpSpPr>
+        <p:cNvPr id="1" name=""/>
+        <p:cNvGrpSpPr/>
+        <p:nvPr/>
+      </p:nvGrpSpPr>
+      <p:grpSpPr>
+        <a:xfrm>
+          <a:off x="0" y="0"/>
+          <a:ext cx="0" cy="0"/>
+          <a:chOff x="0" y="0"/>
+          <a:chExt cx="0" cy="0"/>
+        </a:xfrm>
+      </p:grpSpPr>
+      <p:sp>
+        <p:nvSpPr>
+          <p:cNvPr id="2" name="Slide Image Placeholder 1"/>
+          <p:cNvSpPr>
+            <a:spLocks noGrp="1" noRot="1" noChangeAspect="1"/>
+          </p:cNvSpPr>
+          <p:nvPr>
+            <p:ph type="sldImg"/>
+          </p:nvPr>
+        </p:nvSpPr>
+        <p:spPr/>
+      </p:sp>
+      <p:sp>
+        <p:nvSpPr>
+          <p:cNvPr id="3" name="Notes Placeholder 2"/>
+          <p:cNvSpPr>
+            <a:spLocks noGrp="1"/>
+          </p:cNvSpPr>
+          <p:nvPr>
+            <p:ph type="body" idx="1"/>
+          </p:nvPr>
+        </p:nvSpPr>
+        <p:spPr/>
+        <p:txBody>
+          <a:bodyPr/>
+          <a:lstStyle/>
+          <a:p>
+            <a:r>
+              <a:rPr lang="en-US" dirty="0"/>
+              <a:t>In the paper, they focused on active constraints. </a:t>
+            </a:r>
+          </a:p>
+          <a:p>
+            <a:r>
+              <a:rPr lang="en-US" dirty="0"/>
+              <a:t>The classifier they proposed returns probability for each active constraints.</a:t>
+            </a:r>
+          </a:p>
+          <a:p>
+            <a:r>
+              <a:rPr lang="en-US" dirty="0"/>
+              <a:t>Also, they left it as a further study to figure out the relationship between the constraints.</a:t>
+            </a:r>
+          </a:p>
+          <a:p>
+            <a:r>
+              <a:rPr lang="en-US" dirty="0"/>
+              <a:t>The paper suggest to add a set of parallel binary classifiers for this further study.</a:t>
+            </a:r>
+          </a:p>
+          <a:p>
+            <a:endParaRPr lang="en-US" dirty="0"/>
+          </a:p>
+          <a:p>
+            <a:r>
+              <a:rPr lang="en-US" dirty="0"/>
+              <a:t>However, I realized that  I could get the relationship between the constraints </a:t>
+            </a:r>
+          </a:p>
+          <a:p>
+            <a:r>
+              <a:rPr lang="en-US" dirty="0"/>
+              <a:t>by just changing the output layer from SOFTMAX to SIGMOID, </a:t>
+            </a:r>
+            <a:br>
+              <a:rPr lang="en-US" dirty="0"/>
+            </a:br>
+            <a:r>
+              <a:rPr lang="en-US" dirty="0"/>
+              <a:t>instead of adding binary classifier for each constraints.</a:t>
+            </a:r>
+          </a:p>
+          <a:p>
+            <a:endParaRPr lang="en-US" dirty="0"/>
+          </a:p>
+          <a:p>
+            <a:r>
+              <a:rPr lang="en-US" dirty="0"/>
+              <a:t>(Of course, the number of nodes in the output layer will increase from the number of active constraints to the number of all constraints. )</a:t>
+            </a:r>
+          </a:p>
+        </p:txBody>
+      </p:sp>
+      <p:sp>
+        <p:nvSpPr>
+          <p:cNvPr id="4" name="Slide Number Placeholder 3"/>
+          <p:cNvSpPr>
+            <a:spLocks noGrp="1"/>
+          </p:cNvSpPr>
+          <p:nvPr>
+            <p:ph type="sldNum" sz="quarter" idx="5"/>
+          </p:nvPr>
+        </p:nvSpPr>
+        <p:spPr/>
+        <p:txBody>
+          <a:bodyPr/>
+          <a:lstStyle/>
+          <a:p>
+            <a:fld id="{1E99F2B5-2C25-8F42-812A-64952A72A267}" type="slidenum">
+              <a:rPr lang="en-US" smtClean="0"/>
+              <a:t>8</a:t>
+            </a:fld>
+            <a:endParaRPr lang="en-US"/>
+          </a:p>
+        </p:txBody>
+      </p:sp>
+    </p:spTree>
+    <p:extLst>
+      <p:ext uri="{BB962C8B-B14F-4D97-AF65-F5344CB8AC3E}">
+        <p14:creationId xmlns:p14="http://schemas.microsoft.com/office/powerpoint/2010/main" val="600584548"/>
+      </p:ext>
+    </p:extLst>
+  </p:cSld>
+  <p:clrMapOvr>
+    <a:masterClrMapping/>
+  </p:clrMapOvr>
+</p:notes>
+</file>
+
+<file path=ppt/notesSlides/notesSlide8.xml><?xml version="1.0" encoding="utf-8"?>
+<p:notes xmlns:a="http://schemas.openxmlformats.org/drawingml/2006/main" xmlns:r="http://schemas.openxmlformats.org/officeDocument/2006/relationships" xmlns:p="http://schemas.openxmlformats.org/presentationml/2006/main">
+  <p:cSld>
+    <p:spTree>
+      <p:nvGrpSpPr>
+        <p:cNvPr id="1" name=""/>
+        <p:cNvGrpSpPr/>
+        <p:nvPr/>
+      </p:nvGrpSpPr>
+      <p:grpSpPr>
+        <a:xfrm>
+          <a:off x="0" y="0"/>
+          <a:ext cx="0" cy="0"/>
+          <a:chOff x="0" y="0"/>
+          <a:chExt cx="0" cy="0"/>
+        </a:xfrm>
+      </p:grpSpPr>
+      <p:sp>
+        <p:nvSpPr>
+          <p:cNvPr id="2" name="Slide Image Placeholder 1"/>
+          <p:cNvSpPr>
+            <a:spLocks noGrp="1" noRot="1" noChangeAspect="1"/>
+          </p:cNvSpPr>
+          <p:nvPr>
+            <p:ph type="sldImg"/>
+          </p:nvPr>
+        </p:nvSpPr>
+        <p:spPr/>
+      </p:sp>
+      <p:sp>
+        <p:nvSpPr>
+          <p:cNvPr id="3" name="Notes Placeholder 2"/>
+          <p:cNvSpPr>
+            <a:spLocks noGrp="1"/>
+          </p:cNvSpPr>
+          <p:nvPr>
+            <p:ph type="body" idx="1"/>
+          </p:nvPr>
+        </p:nvSpPr>
+        <p:spPr/>
+        <p:txBody>
+          <a:bodyPr/>
+          <a:lstStyle/>
+          <a:p>
+            <a:r>
+              <a:rPr lang="en-US" dirty="0"/>
+              <a:t>The following is the structure of my model, </a:t>
+            </a:r>
+          </a:p>
+          <a:p>
+            <a:r>
+              <a:rPr lang="en-US" dirty="0"/>
+              <a:t>and which loss function, optimizer, and metrics I choose to use.</a:t>
+            </a:r>
+          </a:p>
+          <a:p>
+            <a:endParaRPr lang="en-US" dirty="0"/>
+          </a:p>
+          <a:p>
+            <a:r>
+              <a:rPr lang="en-US" dirty="0"/>
+              <a:t>[animation]</a:t>
+            </a:r>
+          </a:p>
+          <a:p>
+            <a:endParaRPr lang="en-US" dirty="0"/>
+          </a:p>
+          <a:p>
+            <a:r>
+              <a:rPr lang="en-US" dirty="0"/>
+              <a:t>And through the training, I could get pretty good performance results from the model.</a:t>
+            </a:r>
+          </a:p>
+        </p:txBody>
+      </p:sp>
+      <p:sp>
+        <p:nvSpPr>
+          <p:cNvPr id="4" name="Slide Number Placeholder 3"/>
+          <p:cNvSpPr>
+            <a:spLocks noGrp="1"/>
+          </p:cNvSpPr>
+          <p:nvPr>
+            <p:ph type="sldNum" sz="quarter" idx="5"/>
+          </p:nvPr>
+        </p:nvSpPr>
+        <p:spPr/>
+        <p:txBody>
+          <a:bodyPr/>
+          <a:lstStyle/>
+          <a:p>
+            <a:fld id="{1E99F2B5-2C25-8F42-812A-64952A72A267}" type="slidenum">
+              <a:rPr lang="en-US" smtClean="0"/>
+              <a:t>9</a:t>
+            </a:fld>
+            <a:endParaRPr lang="en-US"/>
+          </a:p>
+        </p:txBody>
+      </p:sp>
+    </p:spTree>
+    <p:extLst>
+      <p:ext uri="{BB962C8B-B14F-4D97-AF65-F5344CB8AC3E}">
+        <p14:creationId xmlns:p14="http://schemas.microsoft.com/office/powerpoint/2010/main" val="3984535101"/>
+      </p:ext>
+    </p:extLst>
+  </p:cSld>
+  <p:clrMapOvr>
+    <a:masterClrMapping/>
+  </p:clrMapOvr>
+</p:notes>
+</file>
+
+<file path=ppt/notesSlides/notesSlide9.xml><?xml version="1.0" encoding="utf-8"?>
+<p:notes xmlns:a="http://schemas.openxmlformats.org/drawingml/2006/main" xmlns:r="http://schemas.openxmlformats.org/officeDocument/2006/relationships" xmlns:p="http://schemas.openxmlformats.org/presentationml/2006/main">
+  <p:cSld>
+    <p:spTree>
+      <p:nvGrpSpPr>
+        <p:cNvPr id="1" name=""/>
+        <p:cNvGrpSpPr/>
+        <p:nvPr/>
+      </p:nvGrpSpPr>
+      <p:grpSpPr>
+        <a:xfrm>
+          <a:off x="0" y="0"/>
+          <a:ext cx="0" cy="0"/>
+          <a:chOff x="0" y="0"/>
+          <a:chExt cx="0" cy="0"/>
+        </a:xfrm>
+      </p:grpSpPr>
+      <p:sp>
+        <p:nvSpPr>
+          <p:cNvPr id="2" name="Slide Image Placeholder 1"/>
+          <p:cNvSpPr>
+            <a:spLocks noGrp="1" noRot="1" noChangeAspect="1"/>
+          </p:cNvSpPr>
+          <p:nvPr>
+            <p:ph type="sldImg"/>
+          </p:nvPr>
+        </p:nvSpPr>
+        <p:spPr/>
+      </p:sp>
+      <p:sp>
+        <p:nvSpPr>
+          <p:cNvPr id="3" name="Notes Placeholder 2"/>
+          <p:cNvSpPr>
+            <a:spLocks noGrp="1"/>
+          </p:cNvSpPr>
+          <p:nvPr>
+            <p:ph type="body" idx="1"/>
+          </p:nvPr>
+        </p:nvSpPr>
+        <p:spPr/>
+        <p:txBody>
+          <a:bodyPr/>
+          <a:lstStyle/>
+          <a:p>
+            <a:r>
+              <a:rPr lang="en-US" dirty="0"/>
+              <a:t>And finally,  I visualized the output of the model to check the relationship between the constraints.</a:t>
+            </a:r>
+          </a:p>
+          <a:p>
+            <a:endParaRPr lang="en-US" dirty="0"/>
+          </a:p>
+          <a:p>
+            <a:r>
+              <a:rPr lang="en-US" dirty="0"/>
+              <a:t>[animation]</a:t>
+            </a:r>
+          </a:p>
+          <a:p>
+            <a:endParaRPr lang="en-US" dirty="0"/>
+          </a:p>
+          <a:p>
+            <a:r>
+              <a:rPr lang="en-US" dirty="0"/>
+              <a:t>Through the heatmaps, as you can see, </a:t>
+            </a:r>
+          </a:p>
+          <a:p>
+            <a:r>
+              <a:rPr lang="en-US" dirty="0"/>
+              <a:t>we could check the clustering of constraints.</a:t>
+            </a:r>
+          </a:p>
+        </p:txBody>
+      </p:sp>
+      <p:sp>
+        <p:nvSpPr>
+          <p:cNvPr id="4" name="Slide Number Placeholder 3"/>
+          <p:cNvSpPr>
+            <a:spLocks noGrp="1"/>
+          </p:cNvSpPr>
+          <p:nvPr>
+            <p:ph type="sldNum" sz="quarter" idx="5"/>
+          </p:nvPr>
+        </p:nvSpPr>
+        <p:spPr/>
+        <p:txBody>
+          <a:bodyPr/>
+          <a:lstStyle/>
+          <a:p>
+            <a:fld id="{1E99F2B5-2C25-8F42-812A-64952A72A267}" type="slidenum">
+              <a:rPr lang="en-US" smtClean="0"/>
+              <a:t>10</a:t>
+            </a:fld>
+            <a:endParaRPr lang="en-US"/>
+          </a:p>
+        </p:txBody>
+      </p:sp>
+    </p:spTree>
+    <p:extLst>
+      <p:ext uri="{BB962C8B-B14F-4D97-AF65-F5344CB8AC3E}">
+        <p14:creationId xmlns:p14="http://schemas.microsoft.com/office/powerpoint/2010/main" val="851081446"/>
+      </p:ext>
+    </p:extLst>
+  </p:cSld>
+  <p:clrMapOvr>
+    <a:masterClrMapping/>
+  </p:clrMapOvr>
+</p:notes>
 </file>
 
 <file path=ppt/slideLayouts/slideLayout1.xml><?xml version="1.0" encoding="utf-8"?>
@@ -3700,7 +5508,7 @@
           <p:nvPr/>
         </p:nvPicPr>
         <p:blipFill>
-          <a:blip r:embed="rId2">
+          <a:blip r:embed="rId3">
             <a:extLst>
               <a:ext uri="{28A0092B-C50C-407E-A947-70E740481C1C}">
                 <a14:useLocalDpi xmlns:a14="http://schemas.microsoft.com/office/drawing/2010/main" val="0"/>
@@ -3736,7 +5544,7 @@
           <p:nvPr/>
         </p:nvPicPr>
         <p:blipFill>
-          <a:blip r:embed="rId3">
+          <a:blip r:embed="rId4">
             <a:extLst>
               <a:ext uri="{28A0092B-C50C-407E-A947-70E740481C1C}">
                 <a14:useLocalDpi xmlns:a14="http://schemas.microsoft.com/office/drawing/2010/main" val="0"/>
@@ -4336,7 +6144,7 @@
               <a:rPr lang="en-US" sz="1200" dirty="0">
                 <a:latin typeface="D2Coding" panose="020B0609020101020101" pitchFamily="49" charset="-127"/>
                 <a:ea typeface="D2Coding" panose="020B0609020101020101" pitchFamily="49" charset="-127"/>
-                <a:hlinkClick r:id="rId2"/>
+                <a:hlinkClick r:id="rId3"/>
               </a:rPr>
               <a:t>https://peltarion.com/knowledge-center/documentation/modeling-view/build-an-ai-model/loss-functions/binary-crossentropy</a:t>
             </a:r>
@@ -4548,7 +6356,7 @@
         </p:spPr>
         <p:txBody>
           <a:bodyPr>
-            <a:normAutofit fontScale="85000" lnSpcReduction="20000"/>
+            <a:normAutofit fontScale="92500" lnSpcReduction="20000"/>
           </a:bodyPr>
           <a:lstStyle/>
           <a:p>
@@ -4677,23 +6485,6 @@
                 <a:cs typeface="D2Coding" charset="-127"/>
               </a:rPr>
               <a:t>Experiments and Results</a:t>
-            </a:r>
-          </a:p>
-          <a:p>
-            <a:pPr marL="514350" indent="-514350">
-              <a:lnSpc>
-                <a:spcPct val="120000"/>
-              </a:lnSpc>
-              <a:buFont typeface="+mj-lt"/>
-              <a:buAutoNum type="arabicPeriod"/>
-            </a:pPr>
-            <a:r>
-              <a:rPr lang="en-US" altLang="ko-KR" dirty="0">
-                <a:latin typeface="D2Coding" charset="-127"/>
-                <a:ea typeface="D2Coding" charset="-127"/>
-                <a:cs typeface="D2Coding" charset="-127"/>
-              </a:rPr>
-              <a:t>Further Studies</a:t>
             </a:r>
           </a:p>
           <a:p>
@@ -4733,7 +6524,7 @@
             </a:pPr>
             <a:r>
               <a:rPr lang="en-US" dirty="0">
-                <a:hlinkClick r:id="rId2"/>
+                <a:hlinkClick r:id="rId3"/>
               </a:rPr>
               <a:t>https://github.com/jhyun0919/OPF_Porject_EE394V_SPR2020</a:t>
             </a:r>
@@ -5053,7 +6844,7 @@
                 <a:cs typeface="D2Coding" charset="-127"/>
                 <a:sym typeface="Wingdings" pitchFamily="2" charset="2"/>
               </a:rPr>
-              <a:t> A new method is required to solve the optimal power flow problem </a:t>
+              <a:t> A new approach is required to solve the optimal power flow problem </a:t>
             </a:r>
             <a:br>
               <a:rPr lang="en-US" altLang="ko-KR" dirty="0">
@@ -5351,7 +7142,23 @@
                 <a:ea typeface="D2Coding" charset="-127"/>
                 <a:cs typeface="D2Coding" charset="-127"/>
               </a:rPr>
-              <a:t> ~ Multivariate Normal Distribution (𝜇 = 0, 𝜎 = 0.03*d</a:t>
+              <a:t> ~ Multivariate Normal Distribution (𝜇 = 0, 𝜎</a:t>
+            </a:r>
+            <a:r>
+              <a:rPr lang="en-US" altLang="ko-KR" sz="1600" baseline="-25000" dirty="0" err="1">
+                <a:latin typeface="D2Coding" charset="-127"/>
+                <a:ea typeface="D2Coding" charset="-127"/>
+                <a:cs typeface="D2Coding" charset="-127"/>
+              </a:rPr>
+              <a:t>i</a:t>
+            </a:r>
+            <a:r>
+              <a:rPr lang="en-US" altLang="ko-KR" sz="1600" dirty="0">
+                <a:latin typeface="D2Coding" charset="-127"/>
+                <a:ea typeface="D2Coding" charset="-127"/>
+                <a:cs typeface="D2Coding" charset="-127"/>
+              </a:rPr>
+              <a:t> = 0.03*d</a:t>
             </a:r>
             <a:r>
               <a:rPr lang="en-US" altLang="ko-KR" sz="1600" baseline="-25000" dirty="0">
@@ -5479,7 +7286,7 @@
           <p:nvPr/>
         </p:nvPicPr>
         <p:blipFill>
-          <a:blip r:embed="rId2">
+          <a:blip r:embed="rId3">
             <a:extLst>
               <a:ext uri="{28A0092B-C50C-407E-A947-70E740481C1C}">
                 <a14:useLocalDpi xmlns:a14="http://schemas.microsoft.com/office/drawing/2010/main" val="0"/>
@@ -5619,7 +7426,39 @@
                 <a:ea typeface="D2Coding" charset="-127"/>
                 <a:cs typeface="D2Coding" charset="-127"/>
               </a:rPr>
-              <a:t>The feasible set (polytope) can be represented in matrix form.</a:t>
+              <a:t>The feasible set (linear constraints </a:t>
+            </a:r>
+            <a:r>
+              <a:rPr lang="en-US" altLang="ko-KR" sz="2000" dirty="0">
+                <a:latin typeface="D2Coding" charset="-127"/>
+                <a:ea typeface="D2Coding" charset="-127"/>
+                <a:cs typeface="D2Coding" charset="-127"/>
+                <a:sym typeface="Wingdings" pitchFamily="2" charset="2"/>
+              </a:rPr>
+              <a:t> </a:t>
+            </a:r>
+            <a:r>
+              <a:rPr lang="en-US" altLang="ko-KR" sz="2000" dirty="0">
+                <a:latin typeface="D2Coding" charset="-127"/>
+                <a:ea typeface="D2Coding" charset="-127"/>
+                <a:cs typeface="D2Coding" charset="-127"/>
+              </a:rPr>
+              <a:t>polytope) can be represented </a:t>
+            </a:r>
+            <a:br>
+              <a:rPr lang="en-US" altLang="ko-KR" sz="2000" dirty="0">
+                <a:latin typeface="D2Coding" charset="-127"/>
+                <a:ea typeface="D2Coding" charset="-127"/>
+                <a:cs typeface="D2Coding" charset="-127"/>
+              </a:rPr>
+            </a:br>
+            <a:r>
+              <a:rPr lang="en-US" altLang="ko-KR" sz="2000" dirty="0">
+                <a:latin typeface="D2Coding" charset="-127"/>
+                <a:ea typeface="D2Coding" charset="-127"/>
+                <a:cs typeface="D2Coding" charset="-127"/>
+              </a:rPr>
+              <a:t>in matrix form.</a:t>
             </a:r>
           </a:p>
           <a:p>
@@ -5703,7 +7542,7 @@
             <p:nvPr/>
           </p:nvPicPr>
           <p:blipFill>
-            <a:blip r:embed="rId2">
+            <a:blip r:embed="rId3">
               <a:extLst>
                 <a:ext uri="{28A0092B-C50C-407E-A947-70E740481C1C}">
                   <a14:useLocalDpi xmlns:a14="http://schemas.microsoft.com/office/drawing/2010/main" val="0"/>
@@ -5739,7 +7578,7 @@
             <p:nvPr/>
           </p:nvPicPr>
           <p:blipFill>
-            <a:blip r:embed="rId3">
+            <a:blip r:embed="rId4">
               <a:extLst>
                 <a:ext uri="{28A0092B-C50C-407E-A947-70E740481C1C}">
                   <a14:useLocalDpi xmlns:a14="http://schemas.microsoft.com/office/drawing/2010/main" val="0"/>
@@ -5912,7 +7751,7 @@
                 <a:ea typeface="D2Coding" charset="-127"/>
                 <a:cs typeface="D2Coding" charset="-127"/>
               </a:rPr>
-              <a:t>[ML Predictor] </a:t>
+              <a:t>[ML Predict Model] </a:t>
             </a:r>
             <a:r>
               <a:rPr lang="en-US" altLang="ko-KR" sz="1600" i="1" dirty="0">
@@ -6054,10 +7893,12 @@
             </a:r>
           </a:p>
           <a:p>
-            <a:pPr lvl="2">
+            <a:pPr marL="1257300" lvl="2" indent="-342900">
               <a:lnSpc>
                 <a:spcPct val="100000"/>
               </a:lnSpc>
+              <a:buFont typeface="+mj-lt"/>
+              <a:buAutoNum type="arabicPeriod"/>
             </a:pPr>
             <a:r>
               <a:rPr lang="en-US" altLang="ko-KR" sz="1400" dirty="0">
@@ -6106,10 +7947,12 @@
             </a:r>
           </a:p>
           <a:p>
-            <a:pPr lvl="2">
+            <a:pPr marL="1257300" lvl="2" indent="-342900">
               <a:lnSpc>
                 <a:spcPct val="100000"/>
               </a:lnSpc>
+              <a:buFont typeface="+mj-lt"/>
+              <a:buAutoNum type="arabicPeriod"/>
             </a:pPr>
             <a:r>
               <a:rPr lang="en-US" altLang="ko-KR" sz="1400" dirty="0">
@@ -6267,7 +8110,7 @@
           <p:nvPr/>
         </p:nvPicPr>
         <p:blipFill>
-          <a:blip r:embed="rId2">
+          <a:blip r:embed="rId3">
             <a:extLst>
               <a:ext uri="{28A0092B-C50C-407E-A947-70E740481C1C}">
                 <a14:useLocalDpi xmlns:a14="http://schemas.microsoft.com/office/drawing/2010/main" val="0"/>
@@ -6490,14 +8333,14 @@
           <p:nvPr>
             <p:extLst>
               <p:ext uri="{D42A27DB-BD31-4B8C-83A1-F6EECF244321}">
-                <p14:modId xmlns:p14="http://schemas.microsoft.com/office/powerpoint/2010/main" val="581900003"/>
+                <p14:modId xmlns:p14="http://schemas.microsoft.com/office/powerpoint/2010/main" val="1768206334"/>
               </p:ext>
             </p:extLst>
           </p:nvPr>
         </p:nvGraphicFramePr>
         <p:xfrm>
-          <a:off x="838200" y="1379537"/>
-          <a:ext cx="10515600" cy="2378802"/>
+          <a:off x="838200" y="1500151"/>
+          <a:ext cx="10515600" cy="2151082"/>
         </p:xfrm>
         <a:graphic>
           <a:graphicData uri="http://schemas.openxmlformats.org/drawingml/2006/table">
@@ -6528,14 +8371,18 @@
                   </a:extLst>
                 </a:gridCol>
               </a:tblGrid>
-              <a:tr h="550002">
+              <a:tr h="480275">
                 <a:tc>
                   <a:txBody>
                     <a:bodyPr/>
                     <a:lstStyle/>
                     <a:p>
-                      <a:pPr algn="l"/>
-                      <a:endParaRPr lang="en-US" dirty="0">
+                      <a:pPr algn="l">
+                        <a:lnSpc>
+                          <a:spcPct val="150000"/>
+                        </a:lnSpc>
+                      </a:pPr>
+                      <a:endParaRPr lang="en-US" sz="1600" dirty="0">
                         <a:latin typeface="D2Coding" panose="020B0609020101020101" pitchFamily="49" charset="-127"/>
                         <a:ea typeface="D2Coding" panose="020B0609020101020101" pitchFamily="49" charset="-127"/>
                       </a:endParaRPr>
@@ -6581,8 +8428,13 @@
                     <a:bodyPr/>
                     <a:lstStyle/>
                     <a:p>
+                      <a:pPr>
+                        <a:lnSpc>
+                          <a:spcPct val="150000"/>
+                        </a:lnSpc>
+                      </a:pPr>
                       <a:r>
-                        <a:rPr lang="en-US" b="1" dirty="0">
+                        <a:rPr lang="en-US" sz="1600" b="1" dirty="0">
                           <a:latin typeface="D2Coding" panose="020B0609020101020101" pitchFamily="49" charset="-127"/>
                           <a:ea typeface="D2Coding" panose="020B0609020101020101" pitchFamily="49" charset="-127"/>
                         </a:rPr>
@@ -6612,8 +8464,13 @@
                     <a:bodyPr/>
                     <a:lstStyle/>
                     <a:p>
+                      <a:pPr>
+                        <a:lnSpc>
+                          <a:spcPct val="150000"/>
+                        </a:lnSpc>
+                      </a:pPr>
                       <a:r>
-                        <a:rPr lang="en-US" b="1" dirty="0">
+                        <a:rPr lang="en-US" sz="1600" b="1" dirty="0">
                           <a:latin typeface="D2Coding" panose="020B0609020101020101" pitchFamily="49" charset="-127"/>
                           <a:ea typeface="D2Coding" panose="020B0609020101020101" pitchFamily="49" charset="-127"/>
                         </a:rPr>
@@ -6635,15 +8492,19 @@
                   </a:ext>
                 </a:extLst>
               </a:tr>
-              <a:tr h="497978">
+              <a:tr h="822694">
                 <a:tc>
                   <a:txBody>
                     <a:bodyPr/>
                     <a:lstStyle/>
                     <a:p>
-                      <a:pPr algn="ctr"/>
+                      <a:pPr algn="ctr">
+                        <a:lnSpc>
+                          <a:spcPct val="150000"/>
+                        </a:lnSpc>
+                      </a:pPr>
                       <a:r>
-                        <a:rPr lang="en-US" b="1" dirty="0">
+                        <a:rPr lang="en-US" sz="1600" b="1" dirty="0">
                           <a:latin typeface="D2Coding" panose="020B0609020101020101" pitchFamily="49" charset="-127"/>
                           <a:ea typeface="D2Coding" panose="020B0609020101020101" pitchFamily="49" charset="-127"/>
                         </a:rPr>
@@ -6675,15 +8536,31 @@
                     <a:lstStyle/>
                     <a:p>
                       <a:pPr marL="285750" indent="-285750">
+                        <a:lnSpc>
+                          <a:spcPct val="150000"/>
+                        </a:lnSpc>
                         <a:buFont typeface="Arial" panose="020B0604020202020204" pitchFamily="34" charset="0"/>
                         <a:buChar char="•"/>
                       </a:pPr>
                       <a:r>
-                        <a:rPr lang="en-US" dirty="0">
+                        <a:rPr lang="en-US" sz="1600" dirty="0">
                           <a:latin typeface="D2Coding" panose="020B0609020101020101" pitchFamily="49" charset="-127"/>
                           <a:ea typeface="D2Coding" panose="020B0609020101020101" pitchFamily="49" charset="-127"/>
                         </a:rPr>
-                        <a:t>High computational efficiency at inference stage.</a:t>
+                        <a:t>High computational efficiency at </a:t>
+                      </a:r>
+                      <a:br>
+                        <a:rPr lang="en-US" sz="1600" dirty="0">
+                          <a:latin typeface="D2Coding" panose="020B0609020101020101" pitchFamily="49" charset="-127"/>
+                          <a:ea typeface="D2Coding" panose="020B0609020101020101" pitchFamily="49" charset="-127"/>
+                        </a:rPr>
+                      </a:br>
+                      <a:r>
+                        <a:rPr lang="en-US" sz="1600" dirty="0">
+                          <a:latin typeface="D2Coding" panose="020B0609020101020101" pitchFamily="49" charset="-127"/>
+                          <a:ea typeface="D2Coding" panose="020B0609020101020101" pitchFamily="49" charset="-127"/>
+                        </a:rPr>
+                        <a:t>inference stage.</a:t>
                       </a:r>
                     </a:p>
                   </a:txBody>
@@ -6702,28 +8579,31 @@
                     <a:lstStyle/>
                     <a:p>
                       <a:pPr marL="285750" indent="-285750">
+                        <a:lnSpc>
+                          <a:spcPct val="150000"/>
+                        </a:lnSpc>
                         <a:buFont typeface="Arial" panose="020B0604020202020204" pitchFamily="34" charset="0"/>
                         <a:buChar char="•"/>
                       </a:pPr>
                       <a:r>
-                        <a:rPr lang="en-US" dirty="0">
+                        <a:rPr lang="en-US" sz="1600" dirty="0">
                           <a:latin typeface="D2Coding" panose="020B0609020101020101" pitchFamily="49" charset="-127"/>
                           <a:ea typeface="D2Coding" panose="020B0609020101020101" pitchFamily="49" charset="-127"/>
                         </a:rPr>
-                        <a:t>High accuracy by identifying the relevant constraints at the </a:t>
+                        <a:t>High accuracy by identifying the </a:t>
                       </a:r>
                       <a:br>
-                        <a:rPr lang="en-US" dirty="0">
+                        <a:rPr lang="en-US" sz="1600" dirty="0">
                           <a:latin typeface="D2Coding" panose="020B0609020101020101" pitchFamily="49" charset="-127"/>
                           <a:ea typeface="D2Coding" panose="020B0609020101020101" pitchFamily="49" charset="-127"/>
                         </a:rPr>
                       </a:br>
                       <a:r>
-                        <a:rPr lang="en-US" dirty="0">
+                        <a:rPr lang="en-US" sz="1600" dirty="0">
                           <a:latin typeface="D2Coding" panose="020B0609020101020101" pitchFamily="49" charset="-127"/>
                           <a:ea typeface="D2Coding" panose="020B0609020101020101" pitchFamily="49" charset="-127"/>
                         </a:rPr>
-                        <a:t>optimal.</a:t>
+                        <a:t>relevant constraints at the optimal.</a:t>
                       </a:r>
                     </a:p>
                   </a:txBody>
@@ -6742,15 +8622,19 @@
                   </a:ext>
                 </a:extLst>
               </a:tr>
-              <a:tr h="497978">
+              <a:tr h="848113">
                 <a:tc>
                   <a:txBody>
                     <a:bodyPr/>
                     <a:lstStyle/>
                     <a:p>
-                      <a:pPr algn="ctr"/>
+                      <a:pPr algn="ctr">
+                        <a:lnSpc>
+                          <a:spcPct val="150000"/>
+                        </a:lnSpc>
+                      </a:pPr>
                       <a:r>
-                        <a:rPr lang="en-US" b="1" dirty="0">
+                        <a:rPr lang="en-US" sz="1600" b="1" dirty="0">
                           <a:latin typeface="D2Coding" panose="020B0609020101020101" pitchFamily="49" charset="-127"/>
                           <a:ea typeface="D2Coding" panose="020B0609020101020101" pitchFamily="49" charset="-127"/>
                         </a:rPr>
@@ -6772,28 +8656,31 @@
                     <a:lstStyle/>
                     <a:p>
                       <a:pPr marL="285750" indent="-285750">
+                        <a:lnSpc>
+                          <a:spcPct val="150000"/>
+                        </a:lnSpc>
                         <a:buFont typeface="Arial" panose="020B0604020202020204" pitchFamily="34" charset="0"/>
                         <a:buChar char="•"/>
                       </a:pPr>
                       <a:r>
-                        <a:rPr lang="en-US" dirty="0">
+                        <a:rPr lang="en-US" sz="1600" dirty="0">
                           <a:latin typeface="D2Coding" panose="020B0609020101020101" pitchFamily="49" charset="-127"/>
                           <a:ea typeface="D2Coding" panose="020B0609020101020101" pitchFamily="49" charset="-127"/>
                         </a:rPr>
-                        <a:t>Low performance when the size of training data is not large </a:t>
+                        <a:t>Low performance when the size of </a:t>
                       </a:r>
                       <a:br>
-                        <a:rPr lang="en-US" dirty="0">
+                        <a:rPr lang="en-US" sz="1600" dirty="0">
                           <a:latin typeface="D2Coding" panose="020B0609020101020101" pitchFamily="49" charset="-127"/>
                           <a:ea typeface="D2Coding" panose="020B0609020101020101" pitchFamily="49" charset="-127"/>
                         </a:rPr>
                       </a:br>
                       <a:r>
-                        <a:rPr lang="en-US" dirty="0">
+                        <a:rPr lang="en-US" sz="1600" dirty="0">
                           <a:latin typeface="D2Coding" panose="020B0609020101020101" pitchFamily="49" charset="-127"/>
                           <a:ea typeface="D2Coding" panose="020B0609020101020101" pitchFamily="49" charset="-127"/>
                         </a:rPr>
-                        <a:t>enough.</a:t>
+                        <a:t>training data is not large enough.</a:t>
                       </a:r>
                     </a:p>
                   </a:txBody>
@@ -6811,28 +8698,18 @@
                     <a:lstStyle/>
                     <a:p>
                       <a:pPr marL="285750" indent="-285750">
+                        <a:lnSpc>
+                          <a:spcPct val="150000"/>
+                        </a:lnSpc>
                         <a:buFont typeface="Arial" panose="020B0604020202020204" pitchFamily="34" charset="0"/>
                         <a:buChar char="•"/>
                       </a:pPr>
                       <a:r>
-                        <a:rPr lang="en-US" dirty="0">
+                        <a:rPr lang="en-US" sz="1600" dirty="0">
                           <a:latin typeface="D2Coding" panose="020B0609020101020101" pitchFamily="49" charset="-127"/>
                           <a:ea typeface="D2Coding" panose="020B0609020101020101" pitchFamily="49" charset="-127"/>
                         </a:rPr>
-                        <a:t>Low computational efficiency due to the exhaustive searching </a:t>
-                      </a:r>
-                      <a:br>
-                        <a:rPr lang="en-US" dirty="0">
-                          <a:latin typeface="D2Coding" panose="020B0609020101020101" pitchFamily="49" charset="-127"/>
-                          <a:ea typeface="D2Coding" panose="020B0609020101020101" pitchFamily="49" charset="-127"/>
-                        </a:rPr>
-                      </a:br>
-                      <a:r>
-                        <a:rPr lang="en-US" dirty="0">
-                          <a:latin typeface="D2Coding" panose="020B0609020101020101" pitchFamily="49" charset="-127"/>
-                          <a:ea typeface="D2Coding" panose="020B0609020101020101" pitchFamily="49" charset="-127"/>
-                        </a:rPr>
-                        <a:t>algorithm.</a:t>
+                        <a:t>Low computational efficiency due to the exhaustive searching algorithm.</a:t>
                       </a:r>
                     </a:p>
                   </a:txBody>
@@ -6869,7 +8746,7 @@
           <p:nvPr>
             <p:extLst>
               <p:ext uri="{D42A27DB-BD31-4B8C-83A1-F6EECF244321}">
-                <p14:modId xmlns:p14="http://schemas.microsoft.com/office/powerpoint/2010/main" val="782664242"/>
+                <p14:modId xmlns:p14="http://schemas.microsoft.com/office/powerpoint/2010/main" val="4033265608"/>
               </p:ext>
             </p:extLst>
           </p:nvPr>
@@ -6906,35 +8783,39 @@
                     <a:bodyPr/>
                     <a:lstStyle/>
                     <a:p>
-                      <a:pPr algn="ctr"/>
+                      <a:pPr algn="ctr">
+                        <a:lnSpc>
+                          <a:spcPct val="150000"/>
+                        </a:lnSpc>
+                      </a:pPr>
                       <a:r>
-                        <a:rPr lang="en-US" b="1" dirty="0">
+                        <a:rPr lang="en-US" sz="1600" b="1" dirty="0">
                           <a:latin typeface="D2Coding" panose="020B0609020101020101" pitchFamily="49" charset="-127"/>
                           <a:ea typeface="D2Coding" panose="020B0609020101020101" pitchFamily="49" charset="-127"/>
                         </a:rPr>
                         <a:t>Proposed </a:t>
                       </a:r>
                       <a:br>
-                        <a:rPr lang="en-US" b="1" dirty="0">
+                        <a:rPr lang="en-US" sz="1600" b="1" dirty="0">
                           <a:latin typeface="D2Coding" panose="020B0609020101020101" pitchFamily="49" charset="-127"/>
                           <a:ea typeface="D2Coding" panose="020B0609020101020101" pitchFamily="49" charset="-127"/>
                         </a:rPr>
                       </a:br>
                       <a:r>
-                        <a:rPr lang="en-US" b="1" dirty="0">
+                        <a:rPr lang="en-US" sz="1600" b="1" dirty="0">
                           <a:latin typeface="D2Coding" panose="020B0609020101020101" pitchFamily="49" charset="-127"/>
                           <a:ea typeface="D2Coding" panose="020B0609020101020101" pitchFamily="49" charset="-127"/>
                         </a:rPr>
                         <a:t>Method</a:t>
                       </a:r>
                       <a:r>
-                        <a:rPr lang="ko-KR" altLang="en-US" b="1" dirty="0">
+                        <a:rPr lang="ko-KR" altLang="en-US" sz="1600" b="1" dirty="0">
                           <a:latin typeface="D2Coding" panose="020B0609020101020101" pitchFamily="49" charset="-127"/>
                           <a:ea typeface="D2Coding" panose="020B0609020101020101" pitchFamily="49" charset="-127"/>
                         </a:rPr>
                         <a:t> </a:t>
                       </a:r>
-                      <a:endParaRPr lang="en-US" b="1" dirty="0">
+                      <a:endParaRPr lang="en-US" sz="1600" b="1" dirty="0">
                         <a:latin typeface="D2Coding" panose="020B0609020101020101" pitchFamily="49" charset="-127"/>
                         <a:ea typeface="D2Coding" panose="020B0609020101020101" pitchFamily="49" charset="-127"/>
                       </a:endParaRPr>
@@ -6954,50 +8835,43 @@
                     <a:lstStyle/>
                     <a:p>
                       <a:pPr marL="285750" indent="-285750">
+                        <a:lnSpc>
+                          <a:spcPct val="150000"/>
+                        </a:lnSpc>
                         <a:buFont typeface="Wingdings" pitchFamily="2" charset="2"/>
                         <a:buChar char="Ø"/>
                       </a:pPr>
                       <a:r>
-                        <a:rPr lang="en-US" dirty="0">
+                        <a:rPr lang="en-US" sz="1600" dirty="0">
                           <a:latin typeface="D2Coding" panose="020B0609020101020101" pitchFamily="49" charset="-127"/>
                           <a:ea typeface="D2Coding" panose="020B0609020101020101" pitchFamily="49" charset="-127"/>
                         </a:rPr>
-                        <a:t>Use a NNs classifier for identifying the relevant constraints at the </a:t>
-                      </a:r>
-                      <a:br>
-                        <a:rPr lang="en-US" dirty="0">
-                          <a:latin typeface="D2Coding" panose="020B0609020101020101" pitchFamily="49" charset="-127"/>
-                          <a:ea typeface="D2Coding" panose="020B0609020101020101" pitchFamily="49" charset="-127"/>
-                        </a:rPr>
-                      </a:br>
-                      <a:r>
-                        <a:rPr lang="en-US" dirty="0">
-                          <a:latin typeface="D2Coding" panose="020B0609020101020101" pitchFamily="49" charset="-127"/>
-                          <a:ea typeface="D2Coding" panose="020B0609020101020101" pitchFamily="49" charset="-127"/>
-                        </a:rPr>
-                        <a:t>optimal.</a:t>
+                        <a:t>Use a NNs classifier for identifying the relevant constraints at the optimal.</a:t>
                       </a:r>
                     </a:p>
                     <a:p>
                       <a:pPr marL="742950" lvl="1" indent="-285750">
+                        <a:lnSpc>
+                          <a:spcPct val="150000"/>
+                        </a:lnSpc>
                         <a:buFont typeface="Arial" panose="020B0604020202020204" pitchFamily="34" charset="0"/>
                         <a:buChar char="•"/>
                       </a:pPr>
                       <a:r>
-                        <a:rPr lang="en-US" dirty="0">
+                        <a:rPr lang="en-US" sz="1600" dirty="0">
                           <a:latin typeface="D2Coding" panose="020B0609020101020101" pitchFamily="49" charset="-127"/>
                           <a:ea typeface="D2Coding" panose="020B0609020101020101" pitchFamily="49" charset="-127"/>
                         </a:rPr>
                         <a:t>Use a NNs classifier instead of the exhaustive searching algorithm. </a:t>
                       </a:r>
                       <a:br>
-                        <a:rPr lang="en-US" dirty="0">
+                        <a:rPr lang="en-US" sz="1600" dirty="0">
                           <a:latin typeface="D2Coding" panose="020B0609020101020101" pitchFamily="49" charset="-127"/>
                           <a:ea typeface="D2Coding" panose="020B0609020101020101" pitchFamily="49" charset="-127"/>
                         </a:rPr>
                       </a:br>
                       <a:r>
-                        <a:rPr lang="en-US" dirty="0">
+                        <a:rPr lang="en-US" sz="1600" dirty="0">
                           <a:latin typeface="D2Coding" panose="020B0609020101020101" pitchFamily="49" charset="-127"/>
                           <a:ea typeface="D2Coding" panose="020B0609020101020101" pitchFamily="49" charset="-127"/>
                           <a:sym typeface="Wingdings" pitchFamily="2" charset="2"/>
@@ -7005,7 +8879,7 @@
                         <a:t> </a:t>
                       </a:r>
                       <a:r>
-                        <a:rPr lang="en-US" dirty="0">
+                        <a:rPr lang="en-US" sz="1600" dirty="0">
                           <a:latin typeface="D2Coding" panose="020B0609020101020101" pitchFamily="49" charset="-127"/>
                           <a:ea typeface="D2Coding" panose="020B0609020101020101" pitchFamily="49" charset="-127"/>
                         </a:rPr>
@@ -7014,37 +8888,40 @@
                     </a:p>
                     <a:p>
                       <a:pPr marL="742950" lvl="1" indent="-285750">
+                        <a:lnSpc>
+                          <a:spcPct val="150000"/>
+                        </a:lnSpc>
                         <a:buFont typeface="Arial" panose="020B0604020202020204" pitchFamily="34" charset="0"/>
                         <a:buChar char="•"/>
                       </a:pPr>
                       <a:r>
-                        <a:rPr lang="en-US" dirty="0">
+                        <a:rPr lang="en-US" sz="1600" dirty="0">
                           <a:latin typeface="D2Coding" panose="020B0609020101020101" pitchFamily="49" charset="-127"/>
                           <a:ea typeface="D2Coding" panose="020B0609020101020101" pitchFamily="49" charset="-127"/>
                         </a:rPr>
                         <a:t>Map from the uncertainty realization to the active constraints set </a:t>
                       </a:r>
                       <a:br>
-                        <a:rPr lang="en-US" dirty="0">
+                        <a:rPr lang="en-US" sz="1600" dirty="0">
                           <a:latin typeface="D2Coding" panose="020B0609020101020101" pitchFamily="49" charset="-127"/>
                           <a:ea typeface="D2Coding" panose="020B0609020101020101" pitchFamily="49" charset="-127"/>
                         </a:rPr>
                       </a:br>
                       <a:r>
-                        <a:rPr lang="en-US" dirty="0">
+                        <a:rPr lang="en-US" sz="1600" dirty="0">
                           <a:latin typeface="D2Coding" panose="020B0609020101020101" pitchFamily="49" charset="-127"/>
                           <a:ea typeface="D2Coding" panose="020B0609020101020101" pitchFamily="49" charset="-127"/>
                         </a:rPr>
                         <a:t>at optimality instead of the optimal solution (direct mapping). </a:t>
                       </a:r>
                       <a:br>
-                        <a:rPr lang="en-US" dirty="0">
+                        <a:rPr lang="en-US" sz="1600" dirty="0">
                           <a:latin typeface="D2Coding" panose="020B0609020101020101" pitchFamily="49" charset="-127"/>
                           <a:ea typeface="D2Coding" panose="020B0609020101020101" pitchFamily="49" charset="-127"/>
                         </a:rPr>
                       </a:br>
                       <a:r>
-                        <a:rPr lang="en-US" dirty="0">
+                        <a:rPr lang="en-US" sz="1600" dirty="0">
                           <a:latin typeface="D2Coding" panose="020B0609020101020101" pitchFamily="49" charset="-127"/>
                           <a:ea typeface="D2Coding" panose="020B0609020101020101" pitchFamily="49" charset="-127"/>
                           <a:sym typeface="Wingdings" pitchFamily="2" charset="2"/>
@@ -7052,7 +8929,7 @@
                         <a:t> G</a:t>
                       </a:r>
                       <a:r>
-                        <a:rPr lang="en-US" dirty="0">
+                        <a:rPr lang="en-US" sz="1600" dirty="0">
                           <a:latin typeface="D2Coding" panose="020B0609020101020101" pitchFamily="49" charset="-127"/>
                           <a:ea typeface="D2Coding" panose="020B0609020101020101" pitchFamily="49" charset="-127"/>
                         </a:rPr>
@@ -7274,7 +9151,7 @@
             <p:nvPr/>
           </p:nvPicPr>
           <p:blipFill>
-            <a:blip r:embed="rId2">
+            <a:blip r:embed="rId3">
               <a:extLst>
                 <a:ext uri="{28A0092B-C50C-407E-A947-70E740481C1C}">
                   <a14:useLocalDpi xmlns:a14="http://schemas.microsoft.com/office/drawing/2010/main" val="0"/>
@@ -7363,7 +9240,7 @@
           <p:nvPr/>
         </p:nvPicPr>
         <p:blipFill>
-          <a:blip r:embed="rId2">
+          <a:blip r:embed="rId3">
             <a:extLst>
               <a:ext uri="{28A0092B-C50C-407E-A947-70E740481C1C}">
                 <a14:useLocalDpi xmlns:a14="http://schemas.microsoft.com/office/drawing/2010/main" val="0"/>
@@ -7850,7 +9727,7 @@
                 <a:latin typeface="D2Coding" panose="020B0609020101020101" pitchFamily="49" charset="-127"/>
                 <a:ea typeface="D2Coding" panose="020B0609020101020101" pitchFamily="49" charset="-127"/>
               </a:rPr>
-              <a:t>all active constraints</a:t>
+              <a:t>all constraints</a:t>
             </a:r>
             <a:r>
               <a:rPr lang="en-US" sz="1600" dirty="0">
@@ -7939,7 +9816,7 @@
           <p:nvPr/>
         </p:nvPicPr>
         <p:blipFill>
-          <a:blip r:embed="rId2">
+          <a:blip r:embed="rId3">
             <a:extLst>
               <a:ext uri="{28A0092B-C50C-407E-A947-70E740481C1C}">
                 <a14:useLocalDpi xmlns:a14="http://schemas.microsoft.com/office/drawing/2010/main" val="0"/>
@@ -8095,7 +9972,7 @@
                 <a:ea typeface="D2Coding" charset="-127"/>
                 <a:cs typeface="D2Coding" charset="-127"/>
               </a:rPr>
-              <a:t>Loss function</a:t>
+              <a:t>Loss</a:t>
             </a:r>
           </a:p>
           <a:p>
@@ -8161,7 +10038,7 @@
                 <a:ea typeface="D2Coding" charset="-127"/>
                 <a:cs typeface="D2Coding" charset="-127"/>
               </a:rPr>
-              <a:t>BinaryCrossEntropy</a:t>
+              <a:t>BinaryCrossEntropy </a:t>
             </a:r>
           </a:p>
           <a:p>
@@ -8237,7 +10114,7 @@
           <p:nvPr>
             <p:extLst>
               <p:ext uri="{D42A27DB-BD31-4B8C-83A1-F6EECF244321}">
-                <p14:modId xmlns:p14="http://schemas.microsoft.com/office/powerpoint/2010/main" val="1577292787"/>
+                <p14:modId xmlns:p14="http://schemas.microsoft.com/office/powerpoint/2010/main" val="2800961088"/>
               </p:ext>
             </p:extLst>
           </p:nvPr>
@@ -8581,7 +10458,7 @@
           <p:nvPr/>
         </p:nvPicPr>
         <p:blipFill>
-          <a:blip r:embed="rId3">
+          <a:blip r:embed="rId4">
             <a:extLst>
               <a:ext uri="{28A0092B-C50C-407E-A947-70E740481C1C}">
                 <a14:useLocalDpi xmlns:a14="http://schemas.microsoft.com/office/drawing/2010/main" val="0"/>
@@ -8983,4 +10860,299 @@
     </a:ext>
   </a:extLst>
 </a:theme>
+</file>
+
+<file path=ppt/theme/theme2.xml><?xml version="1.0" encoding="utf-8"?>
+<a:theme xmlns:a="http://schemas.openxmlformats.org/drawingml/2006/main" name="Office Theme">
+  <a:themeElements>
+    <a:clrScheme name="Office">
+      <a:dk1>
+        <a:sysClr val="windowText" lastClr="000000"/>
+      </a:dk1>
+      <a:lt1>
+        <a:sysClr val="window" lastClr="FFFFFF"/>
+      </a:lt1>
+      <a:dk2>
+        <a:srgbClr val="44546A"/>
+      </a:dk2>
+      <a:lt2>
+        <a:srgbClr val="E7E6E6"/>
+      </a:lt2>
+      <a:accent1>
+        <a:srgbClr val="4472C4"/>
+      </a:accent1>
+      <a:accent2>
+        <a:srgbClr val="ED7D31"/>
+      </a:accent2>
+      <a:accent3>
+        <a:srgbClr val="A5A5A5"/>
+      </a:accent3>
+      <a:accent4>
+        <a:srgbClr val="FFC000"/>
+      </a:accent4>
+      <a:accent5>
+        <a:srgbClr val="5B9BD5"/>
+      </a:accent5>
+      <a:accent6>
+        <a:srgbClr val="70AD47"/>
+      </a:accent6>
+      <a:hlink>
+        <a:srgbClr val="0563C1"/>
+      </a:hlink>
+      <a:folHlink>
+        <a:srgbClr val="954F72"/>
+      </a:folHlink>
+    </a:clrScheme>
+    <a:fontScheme name="Office">
+      <a:majorFont>
+        <a:latin typeface="Calibri Light" panose="020F0302020204030204"/>
+        <a:ea typeface=""/>
+        <a:cs typeface=""/>
+        <a:font script="Jpan" typeface="游ゴシック Light"/>
+        <a:font script="Hang" typeface="맑은 고딕"/>
+        <a:font script="Hans" typeface="等线 Light"/>
+        <a:font script="Hant" typeface="新細明體"/>
+        <a:font script="Arab" typeface="Times New Roman"/>
+        <a:font script="Hebr" typeface="Times New Roman"/>
+        <a:font script="Thai" typeface="Angsana New"/>
+        <a:font script="Ethi" typeface="Nyala"/>
+        <a:font script="Beng" typeface="Vrinda"/>
+        <a:font script="Gujr" typeface="Shruti"/>
+        <a:font script="Khmr" typeface="MoolBoran"/>
+        <a:font script="Knda" typeface="Tunga"/>
+        <a:font script="Guru" typeface="Raavi"/>
+        <a:font script="Cans" typeface="Euphemia"/>
+        <a:font script="Cher" typeface="Plantagenet Cherokee"/>
+        <a:font script="Yiii" typeface="Microsoft Yi Baiti"/>
+        <a:font script="Tibt" typeface="Microsoft Himalaya"/>
+        <a:font script="Thaa" typeface="MV Boli"/>
+        <a:font script="Deva" typeface="Mangal"/>
+        <a:font script="Telu" typeface="Gautami"/>
+        <a:font script="Taml" typeface="Latha"/>
+        <a:font script="Syrc" typeface="Estrangelo Edessa"/>
+        <a:font script="Orya" typeface="Kalinga"/>
+        <a:font script="Mlym" typeface="Kartika"/>
+        <a:font script="Laoo" typeface="DokChampa"/>
+        <a:font script="Sinh" typeface="Iskoola Pota"/>
+        <a:font script="Mong" typeface="Mongolian Baiti"/>
+        <a:font script="Viet" typeface="Times New Roman"/>
+        <a:font script="Uigh" typeface="Microsoft Uighur"/>
+        <a:font script="Geor" typeface="Sylfaen"/>
+        <a:font script="Armn" typeface="Arial"/>
+        <a:font script="Bugi" typeface="Leelawadee UI"/>
+        <a:font script="Bopo" typeface="Microsoft JhengHei"/>
+        <a:font script="Java" typeface="Javanese Text"/>
+        <a:font script="Lisu" typeface="Segoe UI"/>
+        <a:font script="Mymr" typeface="Myanmar Text"/>
+        <a:font script="Nkoo" typeface="Ebrima"/>
+        <a:font script="Olck" typeface="Nirmala UI"/>
+        <a:font script="Osma" typeface="Ebrima"/>
+        <a:font script="Phag" typeface="Phagspa"/>
+        <a:font script="Syrn" typeface="Estrangelo Edessa"/>
+        <a:font script="Syrj" typeface="Estrangelo Edessa"/>
+        <a:font script="Syre" typeface="Estrangelo Edessa"/>
+        <a:font script="Sora" typeface="Nirmala UI"/>
+        <a:font script="Tale" typeface="Microsoft Tai Le"/>
+        <a:font script="Talu" typeface="Microsoft New Tai Lue"/>
+        <a:font script="Tfng" typeface="Ebrima"/>
+      </a:majorFont>
+      <a:minorFont>
+        <a:latin typeface="Calibri" panose="020F0502020204030204"/>
+        <a:ea typeface=""/>
+        <a:cs typeface=""/>
+        <a:font script="Jpan" typeface="游ゴシック"/>
+        <a:font script="Hang" typeface="맑은 고딕"/>
+        <a:font script="Hans" typeface="等线"/>
+        <a:font script="Hant" typeface="新細明體"/>
+        <a:font script="Arab" typeface="Arial"/>
+        <a:font script="Hebr" typeface="Arial"/>
+        <a:font script="Thai" typeface="Cordia New"/>
+        <a:font script="Ethi" typeface="Nyala"/>
+        <a:font script="Beng" typeface="Vrinda"/>
+        <a:font script="Gujr" typeface="Shruti"/>
+        <a:font script="Khmr" typeface="DaunPenh"/>
+        <a:font script="Knda" typeface="Tunga"/>
+        <a:font script="Guru" typeface="Raavi"/>
+        <a:font script="Cans" typeface="Euphemia"/>
+        <a:font script="Cher" typeface="Plantagenet Cherokee"/>
+        <a:font script="Yiii" typeface="Microsoft Yi Baiti"/>
+        <a:font script="Tibt" typeface="Microsoft Himalaya"/>
+        <a:font script="Thaa" typeface="MV Boli"/>
+        <a:font script="Deva" typeface="Mangal"/>
+        <a:font script="Telu" typeface="Gautami"/>
+        <a:font script="Taml" typeface="Latha"/>
+        <a:font script="Syrc" typeface="Estrangelo Edessa"/>
+        <a:font script="Orya" typeface="Kalinga"/>
+        <a:font script="Mlym" typeface="Kartika"/>
+        <a:font script="Laoo" typeface="DokChampa"/>
+        <a:font script="Sinh" typeface="Iskoola Pota"/>
+        <a:font script="Mong" typeface="Mongolian Baiti"/>
+        <a:font script="Viet" typeface="Arial"/>
+        <a:font script="Uigh" typeface="Microsoft Uighur"/>
+        <a:font script="Geor" typeface="Sylfaen"/>
+        <a:font script="Armn" typeface="Arial"/>
+        <a:font script="Bugi" typeface="Leelawadee UI"/>
+        <a:font script="Bopo" typeface="Microsoft JhengHei"/>
+        <a:font script="Java" typeface="Javanese Text"/>
+        <a:font script="Lisu" typeface="Segoe UI"/>
+        <a:font script="Mymr" typeface="Myanmar Text"/>
+        <a:font script="Nkoo" typeface="Ebrima"/>
+        <a:font script="Olck" typeface="Nirmala UI"/>
+        <a:font script="Osma" typeface="Ebrima"/>
+        <a:font script="Phag" typeface="Phagspa"/>
+        <a:font script="Syrn" typeface="Estrangelo Edessa"/>
+        <a:font script="Syrj" typeface="Estrangelo Edessa"/>
+        <a:font script="Syre" typeface="Estrangelo Edessa"/>
+        <a:font script="Sora" typeface="Nirmala UI"/>
+        <a:font script="Tale" typeface="Microsoft Tai Le"/>
+        <a:font script="Talu" typeface="Microsoft New Tai Lue"/>
+        <a:font script="Tfng" typeface="Ebrima"/>
+      </a:minorFont>
+    </a:fontScheme>
+    <a:fmtScheme name="Office">
+      <a:fillStyleLst>
+        <a:solidFill>
+          <a:schemeClr val="phClr"/>
+        </a:solidFill>
+        <a:gradFill rotWithShape="1">
+          <a:gsLst>
+            <a:gs pos="0">
+              <a:schemeClr val="phClr">
+                <a:lumMod val="110000"/>
+                <a:satMod val="105000"/>
+                <a:tint val="67000"/>
+              </a:schemeClr>
+            </a:gs>
+            <a:gs pos="50000">
+              <a:schemeClr val="phClr">
+                <a:lumMod val="105000"/>
+                <a:satMod val="103000"/>
+                <a:tint val="73000"/>
+              </a:schemeClr>
+            </a:gs>
+            <a:gs pos="100000">
+              <a:schemeClr val="phClr">
+                <a:lumMod val="105000"/>
+                <a:satMod val="109000"/>
+                <a:tint val="81000"/>
+              </a:schemeClr>
+            </a:gs>
+          </a:gsLst>
+          <a:lin ang="5400000" scaled="0"/>
+        </a:gradFill>
+        <a:gradFill rotWithShape="1">
+          <a:gsLst>
+            <a:gs pos="0">
+              <a:schemeClr val="phClr">
+                <a:satMod val="103000"/>
+                <a:lumMod val="102000"/>
+                <a:tint val="94000"/>
+              </a:schemeClr>
+            </a:gs>
+            <a:gs pos="50000">
+              <a:schemeClr val="phClr">
+                <a:satMod val="110000"/>
+                <a:lumMod val="100000"/>
+                <a:shade val="100000"/>
+              </a:schemeClr>
+            </a:gs>
+            <a:gs pos="100000">
+              <a:schemeClr val="phClr">
+                <a:lumMod val="99000"/>
+                <a:satMod val="120000"/>
+                <a:shade val="78000"/>
+              </a:schemeClr>
+            </a:gs>
+          </a:gsLst>
+          <a:lin ang="5400000" scaled="0"/>
+        </a:gradFill>
+      </a:fillStyleLst>
+      <a:lnStyleLst>
+        <a:ln w="6350" cap="flat" cmpd="sng" algn="ctr">
+          <a:solidFill>
+            <a:schemeClr val="phClr"/>
+          </a:solidFill>
+          <a:prstDash val="solid"/>
+          <a:miter lim="800000"/>
+        </a:ln>
+        <a:ln w="12700" cap="flat" cmpd="sng" algn="ctr">
+          <a:solidFill>
+            <a:schemeClr val="phClr"/>
+          </a:solidFill>
+          <a:prstDash val="solid"/>
+          <a:miter lim="800000"/>
+        </a:ln>
+        <a:ln w="19050" cap="flat" cmpd="sng" algn="ctr">
+          <a:solidFill>
+            <a:schemeClr val="phClr"/>
+          </a:solidFill>
+          <a:prstDash val="solid"/>
+          <a:miter lim="800000"/>
+        </a:ln>
+      </a:lnStyleLst>
+      <a:effectStyleLst>
+        <a:effectStyle>
+          <a:effectLst/>
+        </a:effectStyle>
+        <a:effectStyle>
+          <a:effectLst/>
+        </a:effectStyle>
+        <a:effectStyle>
+          <a:effectLst>
+            <a:outerShdw blurRad="57150" dist="19050" dir="5400000" algn="ctr" rotWithShape="0">
+              <a:srgbClr val="000000">
+                <a:alpha val="63000"/>
+              </a:srgbClr>
+            </a:outerShdw>
+          </a:effectLst>
+        </a:effectStyle>
+      </a:effectStyleLst>
+      <a:bgFillStyleLst>
+        <a:solidFill>
+          <a:schemeClr val="phClr"/>
+        </a:solidFill>
+        <a:solidFill>
+          <a:schemeClr val="phClr">
+            <a:tint val="95000"/>
+            <a:satMod val="170000"/>
+          </a:schemeClr>
+        </a:solidFill>
+        <a:gradFill rotWithShape="1">
+          <a:gsLst>
+            <a:gs pos="0">
+              <a:schemeClr val="phClr">
+                <a:tint val="93000"/>
+                <a:satMod val="150000"/>
+                <a:shade val="98000"/>
+                <a:lumMod val="102000"/>
+              </a:schemeClr>
+            </a:gs>
+            <a:gs pos="50000">
+              <a:schemeClr val="phClr">
+                <a:tint val="98000"/>
+                <a:satMod val="130000"/>
+                <a:shade val="90000"/>
+                <a:lumMod val="103000"/>
+              </a:schemeClr>
+            </a:gs>
+            <a:gs pos="100000">
+              <a:schemeClr val="phClr">
+                <a:shade val="63000"/>
+                <a:satMod val="120000"/>
+              </a:schemeClr>
+            </a:gs>
+          </a:gsLst>
+          <a:lin ang="5400000" scaled="0"/>
+        </a:gradFill>
+      </a:bgFillStyleLst>
+    </a:fmtScheme>
+  </a:themeElements>
+  <a:objectDefaults/>
+  <a:extraClrSchemeLst/>
+  <a:extLst>
+    <a:ext uri="{05A4C25C-085E-4340-85A3-A5531E510DB2}">
+      <thm15:themeFamily xmlns:thm15="http://schemas.microsoft.com/office/thememl/2012/main" name="Office Theme" id="{62F939B6-93AF-4DB8-9C6B-D6C7DFDC589F}" vid="{4A3C46E8-61CC-4603-A589-7422A47A8E4A}"/>
+    </a:ext>
+  </a:extLst>
+</a:theme>
 </file>
--- a/report/Park.pptx
+++ b/report/Park.pptx
@@ -518,34 +518,7 @@
           <a:bodyPr/>
           <a:lstStyle/>
           <a:p>
-            <a:r>
-              <a:rPr lang="en-US" dirty="0"/>
-              <a:t>I did my project based on the paper</a:t>
-            </a:r>
-            <a:r>
-              <a:rPr lang="ko-KR" altLang="en-US" dirty="0"/>
-              <a:t> </a:t>
-            </a:r>
-            <a:r>
-              <a:rPr lang="en-US" altLang="ko-KR" dirty="0"/>
-              <a:t>”L</a:t>
-            </a:r>
-            <a:r>
-              <a:rPr lang="en-US" dirty="0"/>
-              <a:t>earning for DC-OPF: Classifying active sets using neural nets”,  and my presentation contents are as follows. </a:t>
-            </a:r>
-          </a:p>
-          <a:p>
             <a:endParaRPr lang="en-US" dirty="0"/>
-          </a:p>
-          <a:p>
-            <a:endParaRPr lang="en-US" dirty="0"/>
-          </a:p>
-          <a:p>
-            <a:r>
-              <a:rPr lang="en-US" dirty="0"/>
-              <a:t>(Also, I uploaded all the materials for my project to my git, so I think you can check it at any time.)</a:t>
-            </a:r>
           </a:p>
         </p:txBody>
       </p:sp>
@@ -566,7 +539,7 @@
           <a:p>
             <a:fld id="{1E99F2B5-2C25-8F42-812A-64952A72A267}" type="slidenum">
               <a:rPr lang="en-US" smtClean="0"/>
-              <a:t>2</a:t>
+              <a:t>1</a:t>
             </a:fld>
             <a:endParaRPr lang="en-US"/>
           </a:p>
@@ -575,7 +548,7 @@
     </p:spTree>
     <p:extLst>
       <p:ext uri="{BB962C8B-B14F-4D97-AF65-F5344CB8AC3E}">
-        <p14:creationId xmlns:p14="http://schemas.microsoft.com/office/powerpoint/2010/main" val="3810070482"/>
+        <p14:creationId xmlns:p14="http://schemas.microsoft.com/office/powerpoint/2010/main" val="2824389366"/>
       </p:ext>
     </p:extLst>
   </p:cSld>
@@ -586,6 +559,117 @@
 </file>
 
 <file path=ppt/notesSlides/notesSlide10.xml><?xml version="1.0" encoding="utf-8"?>
+<p:notes xmlns:a="http://schemas.openxmlformats.org/drawingml/2006/main" xmlns:r="http://schemas.openxmlformats.org/officeDocument/2006/relationships" xmlns:p="http://schemas.openxmlformats.org/presentationml/2006/main">
+  <p:cSld>
+    <p:spTree>
+      <p:nvGrpSpPr>
+        <p:cNvPr id="1" name=""/>
+        <p:cNvGrpSpPr/>
+        <p:nvPr/>
+      </p:nvGrpSpPr>
+      <p:grpSpPr>
+        <a:xfrm>
+          <a:off x="0" y="0"/>
+          <a:ext cx="0" cy="0"/>
+          <a:chOff x="0" y="0"/>
+          <a:chExt cx="0" cy="0"/>
+        </a:xfrm>
+      </p:grpSpPr>
+      <p:sp>
+        <p:nvSpPr>
+          <p:cNvPr id="2" name="Slide Image Placeholder 1"/>
+          <p:cNvSpPr>
+            <a:spLocks noGrp="1" noRot="1" noChangeAspect="1"/>
+          </p:cNvSpPr>
+          <p:nvPr>
+            <p:ph type="sldImg"/>
+          </p:nvPr>
+        </p:nvSpPr>
+        <p:spPr/>
+      </p:sp>
+      <p:sp>
+        <p:nvSpPr>
+          <p:cNvPr id="3" name="Notes Placeholder 2"/>
+          <p:cNvSpPr>
+            <a:spLocks noGrp="1"/>
+          </p:cNvSpPr>
+          <p:nvPr>
+            <p:ph type="body" idx="1"/>
+          </p:nvPr>
+        </p:nvSpPr>
+        <p:spPr/>
+        <p:txBody>
+          <a:bodyPr/>
+          <a:lstStyle/>
+          <a:p>
+            <a:r>
+              <a:rPr lang="en-US" dirty="0"/>
+              <a:t>And finally,  I visualized the output of the model to check the relationship between the constraints.</a:t>
+            </a:r>
+          </a:p>
+          <a:p>
+            <a:endParaRPr lang="en-US" dirty="0"/>
+          </a:p>
+          <a:p>
+            <a:r>
+              <a:rPr lang="en-US" dirty="0"/>
+              <a:t>[animation]</a:t>
+            </a:r>
+          </a:p>
+          <a:p>
+            <a:endParaRPr lang="en-US" dirty="0"/>
+          </a:p>
+          <a:p>
+            <a:r>
+              <a:rPr lang="en-US" dirty="0"/>
+              <a:t>Through the heatmaps, as you can see, </a:t>
+            </a:r>
+          </a:p>
+          <a:p>
+            <a:r>
+              <a:rPr lang="en-US" dirty="0"/>
+              <a:t>we could check the clustering of constraints.</a:t>
+            </a:r>
+          </a:p>
+        </p:txBody>
+      </p:sp>
+      <p:sp>
+        <p:nvSpPr>
+          <p:cNvPr id="4" name="Slide Number Placeholder 3"/>
+          <p:cNvSpPr>
+            <a:spLocks noGrp="1"/>
+          </p:cNvSpPr>
+          <p:nvPr>
+            <p:ph type="sldNum" sz="quarter" idx="5"/>
+          </p:nvPr>
+        </p:nvSpPr>
+        <p:spPr/>
+        <p:txBody>
+          <a:bodyPr/>
+          <a:lstStyle/>
+          <a:p>
+            <a:fld id="{1E99F2B5-2C25-8F42-812A-64952A72A267}" type="slidenum">
+              <a:rPr lang="en-US" smtClean="0"/>
+              <a:t>10</a:t>
+            </a:fld>
+            <a:endParaRPr lang="en-US"/>
+          </a:p>
+        </p:txBody>
+      </p:sp>
+    </p:spTree>
+    <p:extLst>
+      <p:ext uri="{BB962C8B-B14F-4D97-AF65-F5344CB8AC3E}">
+        <p14:creationId xmlns:p14="http://schemas.microsoft.com/office/powerpoint/2010/main" val="851081446"/>
+      </p:ext>
+    </p:extLst>
+  </p:cSld>
+  <p:clrMapOvr>
+    <a:masterClrMapping/>
+  </p:clrMapOvr>
+</p:notes>
+</file>
+
+<file path=ppt/notesSlides/notesSlide11.xml><?xml version="1.0" encoding="utf-8"?>
 <p:notes xmlns:a="http://schemas.openxmlformats.org/drawingml/2006/main" xmlns:r="http://schemas.openxmlformats.org/officeDocument/2006/relationships" xmlns:p="http://schemas.openxmlformats.org/presentationml/2006/main">
   <p:cSld>
     <p:spTree>
@@ -718,65 +802,32 @@
           <a:p>
             <a:r>
               <a:rPr lang="en-US" dirty="0"/>
-              <a:t>Well, we all know that OPTIMAL POWER FLOW is used in power system operational planning to estimate the most optimal point, which is the most economically efficient solution.</a:t>
-            </a:r>
-          </a:p>
-          <a:p>
-            <a:endParaRPr lang="en-US" dirty="0"/>
-          </a:p>
-          <a:p>
-            <a:r>
-              <a:rPr lang="en-US" dirty="0"/>
-              <a:t>However, due to increasing uncertainty, such as renewable generation and EVs, </a:t>
-            </a:r>
-          </a:p>
-          <a:p>
-            <a:r>
-              <a:rPr lang="en-US" dirty="0"/>
-              <a:t>nowadays, the optimal solution is required to be updated in real time </a:t>
-            </a:r>
-          </a:p>
-          <a:p>
-            <a:r>
-              <a:rPr lang="en-US" dirty="0"/>
-              <a:t>to respond to observed uncertainty realizations.</a:t>
-            </a:r>
-          </a:p>
-          <a:p>
-            <a:endParaRPr lang="en-US" dirty="0"/>
-          </a:p>
-          <a:p>
-            <a:r>
-              <a:rPr lang="en-US" dirty="0"/>
-              <a:t>But the problem here is that, because of the low computational efficiency in traditional methods, </a:t>
-            </a:r>
-          </a:p>
-          <a:p>
-            <a:r>
-              <a:rPr lang="en-US" dirty="0"/>
-              <a:t>it is not possible to update the optimal solution as fast as we want.</a:t>
-            </a:r>
-          </a:p>
-          <a:p>
-            <a:endParaRPr lang="en-US" dirty="0"/>
-          </a:p>
-          <a:p>
-            <a:r>
-              <a:rPr lang="en-US" dirty="0"/>
-              <a:t>So, the paper proposed a new approach to obtaining an optimal solution with high computational efficiency.</a:t>
+              <a:t>I did my project based on the paper</a:t>
             </a:r>
             <a:r>
               <a:rPr lang="ko-KR" altLang="en-US" dirty="0"/>
               <a:t> </a:t>
             </a:r>
-            <a:endParaRPr lang="en-US" altLang="ko-KR" dirty="0"/>
-          </a:p>
-          <a:p>
             <a:r>
               <a:rPr lang="en-US" altLang="ko-KR" dirty="0"/>
-              <a:t>Of course, satisfactory accuracy must be guaranteed.</a:t>
-            </a:r>
+              <a:t>”L</a:t>
+            </a:r>
+            <a:r>
+              <a:rPr lang="en-US" dirty="0"/>
+              <a:t>earning for DC-OPF: Classifying active sets using neural nets”,  and my presentation contents are as follows. </a:t>
+            </a:r>
+          </a:p>
+          <a:p>
             <a:endParaRPr lang="en-US" dirty="0"/>
+          </a:p>
+          <a:p>
+            <a:endParaRPr lang="en-US" dirty="0"/>
+          </a:p>
+          <a:p>
+            <a:r>
+              <a:rPr lang="en-US" dirty="0"/>
+              <a:t>(Also, I uploaded all the materials for my project to my git, so I think you can check it at any time.)</a:t>
+            </a:r>
           </a:p>
         </p:txBody>
       </p:sp>
@@ -797,7 +848,7 @@
           <a:p>
             <a:fld id="{1E99F2B5-2C25-8F42-812A-64952A72A267}" type="slidenum">
               <a:rPr lang="en-US" smtClean="0"/>
-              <a:t>3</a:t>
+              <a:t>2</a:t>
             </a:fld>
             <a:endParaRPr lang="en-US"/>
           </a:p>
@@ -806,7 +857,7 @@
     </p:spTree>
     <p:extLst>
       <p:ext uri="{BB962C8B-B14F-4D97-AF65-F5344CB8AC3E}">
-        <p14:creationId xmlns:p14="http://schemas.microsoft.com/office/powerpoint/2010/main" val="795162663"/>
+        <p14:creationId xmlns:p14="http://schemas.microsoft.com/office/powerpoint/2010/main" val="3810070482"/>
       </p:ext>
     </p:extLst>
   </p:cSld>
@@ -862,78 +913,64 @@
           <a:p>
             <a:r>
               <a:rPr lang="en-US" dirty="0"/>
-              <a:t>In this paper, to simplify the problem, DC</a:t>
+              <a:t>Well, we all know that OPTIMAL POWER FLOW is used in power system operational planning to estimate the most optimal point, which is the most economically efficient solution.</a:t>
+            </a:r>
+          </a:p>
+          <a:p>
+            <a:endParaRPr lang="en-US" dirty="0"/>
+          </a:p>
+          <a:p>
+            <a:r>
+              <a:rPr lang="en-US" dirty="0"/>
+              <a:t>However, due to increasing uncertainty, such as renewable generation and EVs, </a:t>
+            </a:r>
+          </a:p>
+          <a:p>
+            <a:r>
+              <a:rPr lang="en-US" dirty="0"/>
+              <a:t>nowadays, the optimal solution is required to be updated in real time </a:t>
+            </a:r>
+          </a:p>
+          <a:p>
+            <a:r>
+              <a:rPr lang="en-US" dirty="0"/>
+              <a:t>to respond to observed uncertainty realizations.</a:t>
+            </a:r>
+          </a:p>
+          <a:p>
+            <a:endParaRPr lang="en-US" dirty="0"/>
+          </a:p>
+          <a:p>
+            <a:r>
+              <a:rPr lang="en-US" dirty="0"/>
+              <a:t>But the problem here is that, because of the low computational efficiency in traditional methods, </a:t>
+            </a:r>
+          </a:p>
+          <a:p>
+            <a:r>
+              <a:rPr lang="en-US" dirty="0"/>
+              <a:t>it is not possible to update the optimal solution as fast as we want.</a:t>
+            </a:r>
+          </a:p>
+          <a:p>
+            <a:endParaRPr lang="en-US" dirty="0"/>
+          </a:p>
+          <a:p>
+            <a:r>
+              <a:rPr lang="en-US" dirty="0"/>
+              <a:t>So, the paper proposed a new approach to obtaining an optimal solution with high computational efficiency.</a:t>
             </a:r>
             <a:r>
               <a:rPr lang="ko-KR" altLang="en-US" dirty="0"/>
               <a:t> </a:t>
             </a:r>
+            <a:endParaRPr lang="en-US" altLang="ko-KR" dirty="0"/>
+          </a:p>
+          <a:p>
             <a:r>
               <a:rPr lang="en-US" altLang="ko-KR" dirty="0"/>
-              <a:t>PF</a:t>
-            </a:r>
-            <a:r>
-              <a:rPr lang="en-US" dirty="0"/>
-              <a:t> was assumed.</a:t>
-            </a:r>
-          </a:p>
-          <a:p>
-            <a:endParaRPr lang="en-US" dirty="0"/>
-          </a:p>
-          <a:p>
-            <a:r>
-              <a:rPr lang="en-US" dirty="0"/>
-              <a:t>They set up a function called “CONTROL POLICY”,  </a:t>
-            </a:r>
-          </a:p>
-          <a:p>
-            <a:r>
-              <a:rPr lang="en-US" dirty="0"/>
-              <a:t>mapping adjusts the generation in response to uncertainty realization.</a:t>
-            </a:r>
-          </a:p>
-          <a:p>
-            <a:endParaRPr lang="en-US" dirty="0"/>
-          </a:p>
-          <a:p>
-            <a:r>
-              <a:rPr lang="en-US" dirty="0"/>
-              <a:t>It takes w(omega</a:t>
-            </a:r>
-            <a:r>
-              <a:rPr lang="en-US" altLang="ko-KR" dirty="0"/>
-              <a:t>)</a:t>
-            </a:r>
-            <a:r>
-              <a:rPr lang="en-US" dirty="0"/>
-              <a:t> as an input argument, which is an uncertainty realization vector </a:t>
-            </a:r>
-          </a:p>
-          <a:p>
-            <a:r>
-              <a:rPr lang="en-US" dirty="0"/>
-              <a:t>follows multivariate normal distribution </a:t>
-            </a:r>
-          </a:p>
-          <a:p>
-            <a:r>
-              <a:rPr lang="en-US" dirty="0"/>
-              <a:t>mu=0 and std are proportional to the load elements.</a:t>
-            </a:r>
-          </a:p>
-          <a:p>
-            <a:endParaRPr lang="en-US" dirty="0"/>
-          </a:p>
-          <a:p>
-            <a:r>
-              <a:rPr lang="en-US" dirty="0"/>
-              <a:t>And as an output, it returns an optimal solution of the system.</a:t>
-            </a:r>
-          </a:p>
-          <a:p>
-            <a:endParaRPr lang="en-US" dirty="0"/>
-          </a:p>
-          <a:p>
+              <a:t>Of course, satisfactory accuracy must be guaranteed.</a:t>
+            </a:r>
             <a:endParaRPr lang="en-US" dirty="0"/>
           </a:p>
         </p:txBody>
@@ -955,7 +992,7 @@
           <a:p>
             <a:fld id="{1E99F2B5-2C25-8F42-812A-64952A72A267}" type="slidenum">
               <a:rPr lang="en-US" smtClean="0"/>
-              <a:t>4</a:t>
+              <a:t>3</a:t>
             </a:fld>
             <a:endParaRPr lang="en-US"/>
           </a:p>
@@ -964,7 +1001,7 @@
     </p:spTree>
     <p:extLst>
       <p:ext uri="{BB962C8B-B14F-4D97-AF65-F5344CB8AC3E}">
-        <p14:creationId xmlns:p14="http://schemas.microsoft.com/office/powerpoint/2010/main" val="3578470174"/>
+        <p14:creationId xmlns:p14="http://schemas.microsoft.com/office/powerpoint/2010/main" val="795162663"/>
       </p:ext>
     </p:extLst>
   </p:cSld>
@@ -1020,51 +1057,34 @@
           <a:p>
             <a:r>
               <a:rPr lang="en-US" dirty="0"/>
-              <a:t>Since the given constraints are all in linear,  </a:t>
-            </a:r>
-          </a:p>
-          <a:p>
-            <a:r>
-              <a:rPr lang="en-US" dirty="0"/>
-              <a:t>we can represent the feasible set, polytope,  in the following matrix form.</a:t>
-            </a:r>
-          </a:p>
-          <a:p>
-            <a:endParaRPr lang="en-US" dirty="0"/>
-          </a:p>
-          <a:p>
-            <a:r>
-              <a:rPr lang="en-US" dirty="0"/>
-              <a:t>To explain the notation,</a:t>
+              <a:t>In this paper, to simplify the problem, DC</a:t>
             </a:r>
             <a:r>
               <a:rPr lang="ko-KR" altLang="en-US" dirty="0"/>
               <a:t> </a:t>
             </a:r>
-            <a:endParaRPr lang="en-US" altLang="ko-KR" dirty="0"/>
-          </a:p>
-          <a:p>
             <a:r>
               <a:rPr lang="en-US" altLang="ko-KR" dirty="0"/>
-              <a:t>M is PTDF (Power Transfer Distribution Factor),</a:t>
-            </a:r>
-          </a:p>
-          <a:p>
+              <a:t>PF</a:t>
+            </a:r>
             <a:r>
               <a:rPr lang="en-US" dirty="0"/>
-              <a:t>H is mapping matrix between generators and buses,</a:t>
-            </a:r>
+              <a:t> was assumed.</a:t>
+            </a:r>
+          </a:p>
+          <a:p>
+            <a:endParaRPr lang="en-US" dirty="0"/>
           </a:p>
           <a:p>
             <a:r>
               <a:rPr lang="en-US" dirty="0"/>
-              <a:t>w is uncertainty realization vector,</a:t>
+              <a:t>They set up a function called “CONTROL POLICY”,  </a:t>
             </a:r>
           </a:p>
           <a:p>
             <a:r>
               <a:rPr lang="en-US" dirty="0"/>
-              <a:t>and d is load vector.</a:t>
+              <a:t>mapping adjusts the generation in response to uncertainty realization.</a:t>
             </a:r>
           </a:p>
           <a:p>
@@ -1073,19 +1093,27 @@
           <a:p>
             <a:r>
               <a:rPr lang="en-US" dirty="0"/>
-              <a:t>n = num of gens</a:t>
-            </a:r>
-          </a:p>
-          <a:p>
+              <a:t>It takes w(omega</a:t>
+            </a:r>
+            <a:r>
+              <a:rPr lang="en-US" altLang="ko-KR" dirty="0"/>
+              <a:t>)</a:t>
+            </a:r>
             <a:r>
               <a:rPr lang="en-US" dirty="0"/>
-              <a:t>m = num of lines</a:t>
+              <a:t> as an input argument, which is an uncertainty realization vector </a:t>
             </a:r>
           </a:p>
           <a:p>
             <a:r>
               <a:rPr lang="en-US" dirty="0"/>
-              <a:t>v = num of buses</a:t>
+              <a:t>follows multivariate normal distribution </a:t>
+            </a:r>
+          </a:p>
+          <a:p>
+            <a:r>
+              <a:rPr lang="en-US" dirty="0"/>
+              <a:t>mu=0 and std are proportional to the load elements.</a:t>
             </a:r>
           </a:p>
           <a:p>
@@ -1094,119 +1122,13 @@
           <a:p>
             <a:r>
               <a:rPr lang="en-US" dirty="0"/>
-              <a:t>mu =  vector of forecast non-dispatchable active power</a:t>
+              <a:t>And as an output, it returns an optimal solution of the system.</a:t>
             </a:r>
           </a:p>
           <a:p>
             <a:endParaRPr lang="en-US" dirty="0"/>
           </a:p>
           <a:p>
-            <a:pPr marL="0" marR="0" lvl="0" indent="0" algn="l" defTabSz="914400" rtl="0" eaLnBrk="1" fontAlgn="auto" latinLnBrk="0" hangingPunct="1">
-              <a:lnSpc>
-                <a:spcPct val="100000"/>
-              </a:lnSpc>
-              <a:spcBef>
-                <a:spcPts val="0"/>
-              </a:spcBef>
-              <a:spcAft>
-                <a:spcPts val="0"/>
-              </a:spcAft>
-              <a:buClrTx/>
-              <a:buSzTx/>
-              <a:buFontTx/>
-              <a:buNone/>
-              <a:tabLst/>
-              <a:defRPr/>
-            </a:pPr>
-            <a:r>
-              <a:rPr lang="en-US" dirty="0"/>
-              <a:t>Since all the constraints are in linear and cost function is linear (or quadratic )function, </a:t>
-            </a:r>
-          </a:p>
-          <a:p>
-            <a:pPr marL="0" marR="0" lvl="0" indent="0" algn="l" defTabSz="914400" rtl="0" eaLnBrk="1" fontAlgn="auto" latinLnBrk="0" hangingPunct="1">
-              <a:lnSpc>
-                <a:spcPct val="100000"/>
-              </a:lnSpc>
-              <a:spcBef>
-                <a:spcPts val="0"/>
-              </a:spcBef>
-              <a:spcAft>
-                <a:spcPts val="0"/>
-              </a:spcAft>
-              <a:buClrTx/>
-              <a:buSzTx/>
-              <a:buFontTx/>
-              <a:buNone/>
-              <a:tabLst/>
-              <a:defRPr/>
-            </a:pPr>
-            <a:r>
-              <a:rPr lang="en-US" dirty="0"/>
-              <a:t>this problem is an easy problem.</a:t>
-            </a:r>
-          </a:p>
-          <a:p>
-            <a:r>
-              <a:rPr lang="en-US" dirty="0"/>
-              <a:t>However, the focus of this paper is computational efficiency.</a:t>
-            </a:r>
-          </a:p>
-          <a:p>
-            <a:endParaRPr lang="en-US" dirty="0"/>
-          </a:p>
-          <a:p>
-            <a:endParaRPr lang="en-US" dirty="0"/>
-          </a:p>
-          <a:p>
-            <a:r>
-              <a:rPr lang="ko-KR" altLang="en-US" dirty="0"/>
-              <a:t>기존 방식의 복잡도가 높다는 내용 필요</a:t>
-            </a:r>
-            <a:r>
-              <a:rPr lang="en-US" altLang="ko-KR" dirty="0"/>
-              <a:t>.</a:t>
-            </a:r>
-          </a:p>
-          <a:p>
-            <a:pPr marL="171450" indent="-171450">
-              <a:buFontTx/>
-              <a:buChar char="-"/>
-            </a:pPr>
-            <a:r>
-              <a:rPr lang="en-US" dirty="0"/>
-              <a:t>Bisection </a:t>
-            </a:r>
-            <a:r>
-              <a:rPr lang="en-US" dirty="0">
-                <a:sym typeface="Wingdings" pitchFamily="2" charset="2"/>
-              </a:rPr>
-              <a:t> 3^N solutions</a:t>
-            </a:r>
-          </a:p>
-          <a:p>
-            <a:pPr marL="171450" indent="-171450">
-              <a:buFontTx/>
-              <a:buChar char="-"/>
-            </a:pPr>
-            <a:r>
-              <a:rPr lang="en-US" dirty="0">
-                <a:sym typeface="Wingdings" pitchFamily="2" charset="2"/>
-              </a:rPr>
-              <a:t>- exhaustive search  2^NT</a:t>
-            </a:r>
-          </a:p>
-          <a:p>
-            <a:pPr marL="171450" indent="-171450">
-              <a:buFontTx/>
-              <a:buChar char="-"/>
-            </a:pPr>
-            <a:r>
-              <a:rPr lang="en-US" dirty="0">
-                <a:sym typeface="Wingdings" pitchFamily="2" charset="2"/>
-              </a:rPr>
-              <a:t>Branch and Bound (recursive method)  complexity depends on (I, u)</a:t>
-            </a:r>
             <a:endParaRPr lang="en-US" dirty="0"/>
           </a:p>
         </p:txBody>
@@ -1228,7 +1150,7 @@
           <a:p>
             <a:fld id="{1E99F2B5-2C25-8F42-812A-64952A72A267}" type="slidenum">
               <a:rPr lang="en-US" smtClean="0"/>
-              <a:t>5</a:t>
+              <a:t>4</a:t>
             </a:fld>
             <a:endParaRPr lang="en-US"/>
           </a:p>
@@ -1237,7 +1159,7 @@
     </p:spTree>
     <p:extLst>
       <p:ext uri="{BB962C8B-B14F-4D97-AF65-F5344CB8AC3E}">
-        <p14:creationId xmlns:p14="http://schemas.microsoft.com/office/powerpoint/2010/main" val="779884214"/>
+        <p14:creationId xmlns:p14="http://schemas.microsoft.com/office/powerpoint/2010/main" val="3578470174"/>
       </p:ext>
     </p:extLst>
   </p:cSld>
@@ -1293,7 +1215,13 @@
           <a:p>
             <a:r>
               <a:rPr lang="en-US" dirty="0"/>
-              <a:t>Before explaining the method proposed in this paper, I think it is necessary to look at the two traditional approaches.</a:t>
+              <a:t>Since the given constraints are all in linear,  </a:t>
+            </a:r>
+          </a:p>
+          <a:p>
+            <a:r>
+              <a:rPr lang="en-US" dirty="0"/>
+              <a:t>we can represent the feasible set, polytope,  in the following matrix form.</a:t>
             </a:r>
           </a:p>
           <a:p>
@@ -1302,19 +1230,36 @@
           <a:p>
             <a:r>
               <a:rPr lang="en-US" dirty="0"/>
-              <a:t>The first one is ML METHOD. </a:t>
+              <a:t>To explain the notation,</a:t>
+            </a:r>
+            <a:r>
+              <a:rPr lang="ko-KR" altLang="en-US" dirty="0"/>
+              <a:t> </a:t>
+            </a:r>
+            <a:endParaRPr lang="en-US" altLang="ko-KR" dirty="0"/>
+          </a:p>
+          <a:p>
+            <a:r>
+              <a:rPr lang="en-US" altLang="ko-KR" dirty="0"/>
+              <a:t>M is PTDF (Power Transfer Distribution Factor),</a:t>
             </a:r>
           </a:p>
           <a:p>
             <a:r>
               <a:rPr lang="en-US" dirty="0"/>
-              <a:t>The main feature of this approach is that </a:t>
+              <a:t>H is mapping matrix between generators and buses,</a:t>
             </a:r>
           </a:p>
           <a:p>
             <a:r>
               <a:rPr lang="en-US" dirty="0"/>
-              <a:t>a model is trained to learn direct mapping between uncertainty realization and optimal solutions.</a:t>
+              <a:t>w is uncertainty realization vector,</a:t>
+            </a:r>
+          </a:p>
+          <a:p>
+            <a:r>
+              <a:rPr lang="en-US" dirty="0"/>
+              <a:t>and d is load vector.</a:t>
             </a:r>
           </a:p>
           <a:p>
@@ -1323,19 +1268,19 @@
           <a:p>
             <a:r>
               <a:rPr lang="en-US" dirty="0"/>
-              <a:t>Due to the nature of ML, training stage requires a lot of computation, and it might take a long time. </a:t>
+              <a:t>n = num of gens</a:t>
             </a:r>
           </a:p>
           <a:p>
             <a:r>
               <a:rPr lang="en-US" dirty="0"/>
-              <a:t>But once we have the trained model,  in other words, when we are in inference step, extremely high computational efficiency is guaranteed.</a:t>
+              <a:t>m = num of lines</a:t>
             </a:r>
           </a:p>
           <a:p>
             <a:r>
               <a:rPr lang="en-US" dirty="0"/>
-              <a:t>However, the drawback of this approach is that the performance of the model depends on the size of training dataset.</a:t>
+              <a:t>v = num of buses</a:t>
             </a:r>
           </a:p>
           <a:p>
@@ -1344,31 +1289,7 @@
           <a:p>
             <a:r>
               <a:rPr lang="en-US" dirty="0"/>
-              <a:t>The second one is ENSEMBLE CONTROL POLICY.</a:t>
-            </a:r>
-          </a:p>
-          <a:p>
-            <a:r>
-              <a:rPr lang="en-US" dirty="0"/>
-              <a:t>The important feature of this method is that it maps active constraints instead of optimal solutions.</a:t>
-            </a:r>
-          </a:p>
-          <a:p>
-            <a:r>
-              <a:rPr lang="en-US" dirty="0"/>
-              <a:t>Once we obtain the active constraints, we can estimate the optimal solution through the following two observations.</a:t>
-            </a:r>
-          </a:p>
-          <a:p>
-            <a:r>
-              <a:rPr lang="en-US" dirty="0"/>
-              <a:t>By the way, the key point of obtaining  active constraints is that we can drastically reduce the size of the matrix used in the matrix expression below.</a:t>
-            </a:r>
-          </a:p>
-          <a:p>
-            <a:r>
-              <a:rPr lang="en-US" dirty="0"/>
-              <a:t>This approach allows accurate estimation, but the disadvantage of this method is that it still uses an exhaustive searching algorithm.</a:t>
+              <a:t>mu =  vector of forecast non-dispatchable active power</a:t>
             </a:r>
           </a:p>
           <a:p>
@@ -1393,37 +1314,94 @@
               <a:defRPr/>
             </a:pPr>
             <a:r>
+              <a:rPr lang="en-US" dirty="0"/>
+              <a:t>Since all the constraints are in linear and cost function is linear (or quadratic )function, </a:t>
+            </a:r>
+          </a:p>
+          <a:p>
+            <a:pPr marL="0" marR="0" lvl="0" indent="0" algn="l" defTabSz="914400" rtl="0" eaLnBrk="1" fontAlgn="auto" latinLnBrk="0" hangingPunct="1">
+              <a:lnSpc>
+                <a:spcPct val="100000"/>
+              </a:lnSpc>
+              <a:spcBef>
+                <a:spcPts val="0"/>
+              </a:spcBef>
+              <a:spcAft>
+                <a:spcPts val="0"/>
+              </a:spcAft>
+              <a:buClrTx/>
+              <a:buSzTx/>
+              <a:buFontTx/>
+              <a:buNone/>
+              <a:tabLst/>
+              <a:defRPr/>
+            </a:pPr>
+            <a:r>
+              <a:rPr lang="en-US" dirty="0"/>
+              <a:t>this problem is an easy problem.</a:t>
+            </a:r>
+          </a:p>
+          <a:p>
+            <a:r>
+              <a:rPr lang="en-US" dirty="0"/>
+              <a:t>However, the focus of this paper is computational efficiency.</a:t>
+            </a:r>
+          </a:p>
+          <a:p>
+            <a:endParaRPr lang="en-US" dirty="0"/>
+          </a:p>
+          <a:p>
+            <a:endParaRPr lang="en-US" dirty="0"/>
+          </a:p>
+          <a:p>
+            <a:r>
+              <a:rPr lang="ko-KR" altLang="en-US" dirty="0"/>
+              <a:t>기존 방식의 복잡도가 높다는 내용 필요</a:t>
+            </a:r>
+            <a:r>
+              <a:rPr lang="en-US" altLang="ko-KR" dirty="0"/>
+              <a:t>.</a:t>
+            </a:r>
+          </a:p>
+          <a:p>
+            <a:pPr marL="171450" indent="-171450">
+              <a:buFontTx/>
+              <a:buChar char="-"/>
+            </a:pPr>
+            <a:r>
+              <a:rPr lang="en-US" dirty="0"/>
+              <a:t>Bisection </a:t>
+            </a:r>
+            <a:r>
               <a:rPr lang="en-US" dirty="0">
-                <a:solidFill>
-                  <a:srgbClr val="FF0000"/>
-                </a:solidFill>
-                <a:highlight>
-                  <a:srgbClr val="FFFF00"/>
-                </a:highlight>
-              </a:rPr>
-              <a:t>Searching algor </a:t>
-            </a:r>
+                <a:sym typeface="Wingdings" pitchFamily="2" charset="2"/>
+              </a:rPr>
+              <a:t> 3^N solutions</a:t>
+            </a:r>
+          </a:p>
+          <a:p>
+            <a:pPr marL="171450" indent="-171450">
+              <a:buFontTx/>
+              <a:buChar char="-"/>
+            </a:pPr>
             <a:r>
               <a:rPr lang="en-US" dirty="0">
-                <a:solidFill>
-                  <a:srgbClr val="FF0000"/>
-                </a:solidFill>
-                <a:highlight>
-                  <a:srgbClr val="FFFF00"/>
-                </a:highlight>
                 <a:sym typeface="Wingdings" pitchFamily="2" charset="2"/>
               </a:rPr>
-              <a:t>  entails solving 2^NT</a:t>
-            </a:r>
-          </a:p>
-          <a:p>
-            <a:endParaRPr lang="en-US" dirty="0">
-              <a:solidFill>
-                <a:srgbClr val="FF0000"/>
-              </a:solidFill>
-            </a:endParaRPr>
-          </a:p>
-          <a:p>
+              <a:t>- exhaustive search  2^NT</a:t>
+            </a:r>
+          </a:p>
+          <a:p>
+            <a:pPr marL="171450" indent="-171450">
+              <a:buFontTx/>
+              <a:buChar char="-"/>
+            </a:pPr>
+            <a:r>
+              <a:rPr lang="en-US" dirty="0">
+                <a:sym typeface="Wingdings" pitchFamily="2" charset="2"/>
+              </a:rPr>
+              <a:t>Branch and Bound (recursive method)  complexity depends on (I, u)</a:t>
+            </a:r>
             <a:endParaRPr lang="en-US" dirty="0"/>
           </a:p>
         </p:txBody>
@@ -1445,7 +1423,7 @@
           <a:p>
             <a:fld id="{1E99F2B5-2C25-8F42-812A-64952A72A267}" type="slidenum">
               <a:rPr lang="en-US" smtClean="0"/>
-              <a:t>6</a:t>
+              <a:t>5</a:t>
             </a:fld>
             <a:endParaRPr lang="en-US"/>
           </a:p>
@@ -1454,7 +1432,7 @@
     </p:spTree>
     <p:extLst>
       <p:ext uri="{BB962C8B-B14F-4D97-AF65-F5344CB8AC3E}">
-        <p14:creationId xmlns:p14="http://schemas.microsoft.com/office/powerpoint/2010/main" val="3326582234"/>
+        <p14:creationId xmlns:p14="http://schemas.microsoft.com/office/powerpoint/2010/main" val="779884214"/>
       </p:ext>
     </p:extLst>
   </p:cSld>
@@ -1510,7 +1488,7 @@
           <a:p>
             <a:r>
               <a:rPr lang="en-US" dirty="0"/>
-              <a:t>So, in this paper, they proposed a new method that took advantage of the above two methods.</a:t>
+              <a:t>Before explaining the method proposed in this paper, I think it is necessary to look at the two traditional approaches.</a:t>
             </a:r>
           </a:p>
           <a:p>
@@ -1519,17 +1497,126 @@
           <a:p>
             <a:r>
               <a:rPr lang="en-US" dirty="0"/>
-              <a:t>They proposed to learning the mapping between uncertainty realization and active constraints through a Neural Network Classification model.</a:t>
+              <a:t>The first one is ML METHOD. </a:t>
             </a:r>
           </a:p>
           <a:p>
             <a:r>
               <a:rPr lang="en-US" dirty="0"/>
-              <a:t>Which will allow us to have high computational efficiency and satisfactory performance.</a:t>
+              <a:t>The main feature of this approach is that </a:t>
+            </a:r>
+          </a:p>
+          <a:p>
+            <a:r>
+              <a:rPr lang="en-US" dirty="0"/>
+              <a:t>a model is trained to learn direct mapping between uncertainty realization and optimal solutions.</a:t>
             </a:r>
           </a:p>
           <a:p>
             <a:endParaRPr lang="en-US" dirty="0"/>
+          </a:p>
+          <a:p>
+            <a:r>
+              <a:rPr lang="en-US" dirty="0"/>
+              <a:t>Due to the nature of ML, training stage requires a lot of computation, and it might take a long time. </a:t>
+            </a:r>
+          </a:p>
+          <a:p>
+            <a:r>
+              <a:rPr lang="en-US" dirty="0"/>
+              <a:t>But once we have the trained model,  in other words, when we are in inference step, extremely high computational efficiency is guaranteed.</a:t>
+            </a:r>
+          </a:p>
+          <a:p>
+            <a:r>
+              <a:rPr lang="en-US" dirty="0"/>
+              <a:t>However, the drawback of this approach is that the performance of the model depends on the size of training dataset.</a:t>
+            </a:r>
+          </a:p>
+          <a:p>
+            <a:endParaRPr lang="en-US" dirty="0"/>
+          </a:p>
+          <a:p>
+            <a:r>
+              <a:rPr lang="en-US" dirty="0"/>
+              <a:t>The second one is ENSEMBLE CONTROL POLICY.</a:t>
+            </a:r>
+          </a:p>
+          <a:p>
+            <a:r>
+              <a:rPr lang="en-US" dirty="0"/>
+              <a:t>The important feature of this method is that it maps active constraints instead of optimal solutions.</a:t>
+            </a:r>
+          </a:p>
+          <a:p>
+            <a:r>
+              <a:rPr lang="en-US" dirty="0"/>
+              <a:t>Once we obtain the active constraints, we can estimate the optimal solution through the following two observations.</a:t>
+            </a:r>
+          </a:p>
+          <a:p>
+            <a:r>
+              <a:rPr lang="en-US" dirty="0"/>
+              <a:t>By the way, the key point of obtaining  active constraints is that we can drastically reduce the size of the matrix used in the matrix expression below.</a:t>
+            </a:r>
+          </a:p>
+          <a:p>
+            <a:r>
+              <a:rPr lang="en-US" dirty="0"/>
+              <a:t>This approach allows accurate estimation, but the disadvantage of this method is that it still uses an exhaustive searching algorithm.</a:t>
+            </a:r>
+          </a:p>
+          <a:p>
+            <a:endParaRPr lang="en-US" dirty="0"/>
+          </a:p>
+          <a:p>
+            <a:pPr marL="0" marR="0" lvl="0" indent="0" algn="l" defTabSz="914400" rtl="0" eaLnBrk="1" fontAlgn="auto" latinLnBrk="0" hangingPunct="1">
+              <a:lnSpc>
+                <a:spcPct val="100000"/>
+              </a:lnSpc>
+              <a:spcBef>
+                <a:spcPts val="0"/>
+              </a:spcBef>
+              <a:spcAft>
+                <a:spcPts val="0"/>
+              </a:spcAft>
+              <a:buClrTx/>
+              <a:buSzTx/>
+              <a:buFontTx/>
+              <a:buNone/>
+              <a:tabLst/>
+              <a:defRPr/>
+            </a:pPr>
+            <a:r>
+              <a:rPr lang="en-US" dirty="0">
+                <a:solidFill>
+                  <a:srgbClr val="FF0000"/>
+                </a:solidFill>
+                <a:highlight>
+                  <a:srgbClr val="FFFF00"/>
+                </a:highlight>
+              </a:rPr>
+              <a:t>Searching algor </a:t>
+            </a:r>
+            <a:r>
+              <a:rPr lang="en-US" dirty="0">
+                <a:solidFill>
+                  <a:srgbClr val="FF0000"/>
+                </a:solidFill>
+                <a:highlight>
+                  <a:srgbClr val="FFFF00"/>
+                </a:highlight>
+                <a:sym typeface="Wingdings" pitchFamily="2" charset="2"/>
+              </a:rPr>
+              <a:t>  entails solving 2^NT</a:t>
+            </a:r>
+          </a:p>
+          <a:p>
+            <a:endParaRPr lang="en-US" dirty="0">
+              <a:solidFill>
+                <a:srgbClr val="FF0000"/>
+              </a:solidFill>
+            </a:endParaRPr>
           </a:p>
           <a:p>
             <a:endParaRPr lang="en-US" dirty="0"/>
@@ -1553,7 +1640,7 @@
           <a:p>
             <a:fld id="{1E99F2B5-2C25-8F42-812A-64952A72A267}" type="slidenum">
               <a:rPr lang="en-US" smtClean="0"/>
-              <a:t>7</a:t>
+              <a:t>6</a:t>
             </a:fld>
             <a:endParaRPr lang="en-US"/>
           </a:p>
@@ -1562,7 +1649,7 @@
     </p:spTree>
     <p:extLst>
       <p:ext uri="{BB962C8B-B14F-4D97-AF65-F5344CB8AC3E}">
-        <p14:creationId xmlns:p14="http://schemas.microsoft.com/office/powerpoint/2010/main" val="2325939291"/>
+        <p14:creationId xmlns:p14="http://schemas.microsoft.com/office/powerpoint/2010/main" val="3326582234"/>
       </p:ext>
     </p:extLst>
   </p:cSld>
@@ -1618,57 +1705,29 @@
           <a:p>
             <a:r>
               <a:rPr lang="en-US" dirty="0"/>
-              <a:t>In the paper, they focused on active constraints. </a:t>
-            </a:r>
+              <a:t>So, in this paper, they proposed a new method that took advantage of the above two methods.</a:t>
+            </a:r>
+          </a:p>
+          <a:p>
+            <a:endParaRPr lang="en-US" dirty="0"/>
           </a:p>
           <a:p>
             <a:r>
               <a:rPr lang="en-US" dirty="0"/>
-              <a:t>The classifier they proposed returns probability for each active constraints.</a:t>
+              <a:t>They proposed to learning the mapping between uncertainty realization and active constraints through a Neural Network Classification model.</a:t>
             </a:r>
           </a:p>
           <a:p>
             <a:r>
               <a:rPr lang="en-US" dirty="0"/>
-              <a:t>Also, they left it as a further study to figure out the relationship between the constraints.</a:t>
-            </a:r>
-          </a:p>
-          <a:p>
-            <a:r>
-              <a:rPr lang="en-US" dirty="0"/>
-              <a:t>The paper suggest to add a set of parallel binary classifiers for this further study.</a:t>
+              <a:t>Which will allow us to have high computational efficiency and satisfactory performance.</a:t>
             </a:r>
           </a:p>
           <a:p>
             <a:endParaRPr lang="en-US" dirty="0"/>
           </a:p>
           <a:p>
-            <a:r>
-              <a:rPr lang="en-US" dirty="0"/>
-              <a:t>However, I realized that  I could get the relationship between the constraints </a:t>
-            </a:r>
-          </a:p>
-          <a:p>
-            <a:r>
-              <a:rPr lang="en-US" dirty="0"/>
-              <a:t>by just changing the output layer from SOFTMAX to SIGMOID, </a:t>
-            </a:r>
-            <a:br>
-              <a:rPr lang="en-US" dirty="0"/>
-            </a:br>
-            <a:r>
-              <a:rPr lang="en-US" dirty="0"/>
-              <a:t>instead of adding binary classifier for each constraints.</a:t>
-            </a:r>
-          </a:p>
-          <a:p>
             <a:endParaRPr lang="en-US" dirty="0"/>
-          </a:p>
-          <a:p>
-            <a:r>
-              <a:rPr lang="en-US" dirty="0"/>
-              <a:t>(Of course, the number of nodes in the output layer will increase from the number of active constraints to the number of all constraints. )</a:t>
-            </a:r>
           </a:p>
         </p:txBody>
       </p:sp>
@@ -1689,7 +1748,7 @@
           <a:p>
             <a:fld id="{1E99F2B5-2C25-8F42-812A-64952A72A267}" type="slidenum">
               <a:rPr lang="en-US" smtClean="0"/>
-              <a:t>8</a:t>
+              <a:t>7</a:t>
             </a:fld>
             <a:endParaRPr lang="en-US"/>
           </a:p>
@@ -1698,7 +1757,7 @@
     </p:spTree>
     <p:extLst>
       <p:ext uri="{BB962C8B-B14F-4D97-AF65-F5344CB8AC3E}">
-        <p14:creationId xmlns:p14="http://schemas.microsoft.com/office/powerpoint/2010/main" val="600584548"/>
+        <p14:creationId xmlns:p14="http://schemas.microsoft.com/office/powerpoint/2010/main" val="2325939291"/>
       </p:ext>
     </p:extLst>
   </p:cSld>
@@ -1754,13 +1813,25 @@
           <a:p>
             <a:r>
               <a:rPr lang="en-US" dirty="0"/>
-              <a:t>The following is the structure of my model, </a:t>
+              <a:t>In the paper, they focused on active constraints. </a:t>
             </a:r>
           </a:p>
           <a:p>
             <a:r>
               <a:rPr lang="en-US" dirty="0"/>
-              <a:t>and which loss function, optimizer, and metrics I choose to use.</a:t>
+              <a:t>The classifier they proposed returns probability for each active constraints.</a:t>
+            </a:r>
+          </a:p>
+          <a:p>
+            <a:r>
+              <a:rPr lang="en-US" dirty="0"/>
+              <a:t>Also, they left it as a further study to figure out the relationship between the constraints.</a:t>
+            </a:r>
+          </a:p>
+          <a:p>
+            <a:r>
+              <a:rPr lang="en-US" dirty="0"/>
+              <a:t>The paper suggest to add a set of parallel binary classifiers for this further study.</a:t>
             </a:r>
           </a:p>
           <a:p>
@@ -1769,7 +1840,20 @@
           <a:p>
             <a:r>
               <a:rPr lang="en-US" dirty="0"/>
-              <a:t>[animation]</a:t>
+              <a:t>However, I figured out that  I could obtain the relationship between the constraints </a:t>
+            </a:r>
+          </a:p>
+          <a:p>
+            <a:r>
+              <a:rPr lang="en-US" dirty="0"/>
+              <a:t>by just changing the output layer from SOFTMAX to SIGMOID, </a:t>
+            </a:r>
+            <a:br>
+              <a:rPr lang="en-US" dirty="0"/>
+            </a:br>
+            <a:r>
+              <a:rPr lang="en-US" dirty="0"/>
+              <a:t>instead of adding binary classifier for each constraints.</a:t>
             </a:r>
           </a:p>
           <a:p>
@@ -1778,7 +1862,7 @@
           <a:p>
             <a:r>
               <a:rPr lang="en-US" dirty="0"/>
-              <a:t>And through the training, I could get pretty good performance results from the model.</a:t>
+              <a:t>(Of course, the number of nodes in the output layer will increase from the number of active constraints to the number of all constraints. )</a:t>
             </a:r>
           </a:p>
         </p:txBody>
@@ -1800,7 +1884,7 @@
           <a:p>
             <a:fld id="{1E99F2B5-2C25-8F42-812A-64952A72A267}" type="slidenum">
               <a:rPr lang="en-US" smtClean="0"/>
-              <a:t>9</a:t>
+              <a:t>8</a:t>
             </a:fld>
             <a:endParaRPr lang="en-US"/>
           </a:p>
@@ -1809,7 +1893,7 @@
     </p:spTree>
     <p:extLst>
       <p:ext uri="{BB962C8B-B14F-4D97-AF65-F5344CB8AC3E}">
-        <p14:creationId xmlns:p14="http://schemas.microsoft.com/office/powerpoint/2010/main" val="3984535101"/>
+        <p14:creationId xmlns:p14="http://schemas.microsoft.com/office/powerpoint/2010/main" val="600584548"/>
       </p:ext>
     </p:extLst>
   </p:cSld>
@@ -1865,7 +1949,13 @@
           <a:p>
             <a:r>
               <a:rPr lang="en-US" dirty="0"/>
-              <a:t>And finally,  I visualized the output of the model to check the relationship between the constraints.</a:t>
+              <a:t>The following is the structure of my model, </a:t>
+            </a:r>
+          </a:p>
+          <a:p>
+            <a:r>
+              <a:rPr lang="en-US" dirty="0"/>
+              <a:t>and which loss function, optimizer, and metrics I choose to use.</a:t>
             </a:r>
           </a:p>
           <a:p>
@@ -1883,13 +1973,7 @@
           <a:p>
             <a:r>
               <a:rPr lang="en-US" dirty="0"/>
-              <a:t>Through the heatmaps, as you can see, </a:t>
-            </a:r>
-          </a:p>
-          <a:p>
-            <a:r>
-              <a:rPr lang="en-US" dirty="0"/>
-              <a:t>we could check the clustering of constraints.</a:t>
+              <a:t>And through the training, I could get pretty good performance results from the model.</a:t>
             </a:r>
           </a:p>
         </p:txBody>
@@ -1911,7 +1995,7 @@
           <a:p>
             <a:fld id="{1E99F2B5-2C25-8F42-812A-64952A72A267}" type="slidenum">
               <a:rPr lang="en-US" smtClean="0"/>
-              <a:t>10</a:t>
+              <a:t>9</a:t>
             </a:fld>
             <a:endParaRPr lang="en-US"/>
           </a:p>
@@ -1920,7 +2004,7 @@
     </p:spTree>
     <p:extLst>
       <p:ext uri="{BB962C8B-B14F-4D97-AF65-F5344CB8AC3E}">
-        <p14:creationId xmlns:p14="http://schemas.microsoft.com/office/powerpoint/2010/main" val="851081446"/>
+        <p14:creationId xmlns:p14="http://schemas.microsoft.com/office/powerpoint/2010/main" val="3984535101"/>
       </p:ext>
     </p:extLst>
   </p:cSld>
